--- a/csproject.pptx
+++ b/csproject.pptx
@@ -1059,7 +1059,7 @@
   <dgm:whole/>
   <dgm:extLst>
     <a:ext uri="http://schemas.microsoft.com/office/drawing/2008/diagram">
-      <dsp:dataModelExt xmlns:dsp="http://schemas.microsoft.com/office/drawing/2008/diagram" relId="rId8" minVer="http://schemas.openxmlformats.org/drawingml/2006/diagram"/>
+      <dsp:dataModelExt xmlns:dsp="http://schemas.microsoft.com/office/drawing/2008/diagram" relId="rId9" minVer="http://schemas.openxmlformats.org/drawingml/2006/diagram"/>
     </a:ext>
   </dgm:extLst>
 </dgm:dataModel>
@@ -2760,7 +2760,7 @@
             <a:fld id="{0158C5BC-9A70-462C-B28D-9600239EAC64}" type="datetimeFigureOut">
               <a:rPr lang="en-US" smtClean="0"/>
               <a:pPr/>
-              <a:t>3/8/15</a:t>
+              <a:t>3/9/15</a:t>
             </a:fld>
             <a:endParaRPr lang="en-US" dirty="0"/>
           </a:p>
@@ -2927,7 +2927,7 @@
             <a:fld id="{E6CC2317-6751-4CD4-9995-8782DD78E936}" type="datetimeFigureOut">
               <a:rPr lang="en-US" smtClean="0"/>
               <a:pPr/>
-              <a:t>3/8/15</a:t>
+              <a:t>3/9/15</a:t>
             </a:fld>
             <a:endParaRPr lang="en-US" dirty="0"/>
           </a:p>
@@ -20457,7 +20457,7 @@
           </a:solidFill>
           <a:ln w="9525">
             <a:solidFill>
-              <a:schemeClr val="tx2"/>
+              <a:srgbClr val="3A4C86"/>
             </a:solidFill>
             <a:miter lim="800000"/>
             <a:headEnd/>
@@ -20643,7 +20643,7 @@
           </a:solidFill>
           <a:ln w="9525">
             <a:solidFill>
-              <a:schemeClr val="tx2"/>
+              <a:srgbClr val="3A4C86"/>
             </a:solidFill>
             <a:miter lim="800000"/>
             <a:headEnd/>
@@ -20683,7 +20683,7 @@
           </a:solidFill>
           <a:ln w="9525">
             <a:solidFill>
-              <a:schemeClr val="tx2"/>
+              <a:srgbClr val="3A4C86"/>
             </a:solidFill>
             <a:miter lim="800000"/>
             <a:headEnd/>
@@ -27114,6 +27114,37 @@
           <a:chExt cx="0" cy="0"/>
         </a:xfrm>
       </p:grpSpPr>
+      <p:pic>
+        <p:nvPicPr>
+          <p:cNvPr id="31" name="Picture Placeholder 30" descr="Matlab.png"/>
+          <p:cNvPicPr>
+            <a:picLocks noGrp="1" noChangeAspect="1"/>
+          </p:cNvPicPr>
+          <p:nvPr>
+            <p:ph type="pic" sz="quarter" idx="129"/>
+          </p:nvPr>
+        </p:nvPicPr>
+        <p:blipFill rotWithShape="1">
+          <a:blip r:embed="rId3">
+            <a:extLst>
+              <a:ext uri="{28A0092B-C50C-407E-A947-70E740481C1C}">
+                <a14:useLocalDpi xmlns:a14="http://schemas.microsoft.com/office/drawing/2010/main" val="0"/>
+              </a:ext>
+            </a:extLst>
+          </a:blip>
+          <a:srcRect l="12810" t="6596" r="10010"/>
+          <a:stretch/>
+        </p:blipFill>
+        <p:spPr>
+          <a:xfrm>
+            <a:off x="5550742" y="27374324"/>
+            <a:ext cx="4186750" cy="3800118"/>
+          </a:xfrm>
+          <a:ln>
+            <a:noFill/>
+          </a:ln>
+        </p:spPr>
+      </p:pic>
       <p:sp>
         <p:nvSpPr>
           <p:cNvPr id="2" name="Title 1"/>
@@ -27140,7 +27171,6 @@
               <a:rPr lang="en-US" sz="8000" dirty="0"/>
               <a:t>Course Median Prediction via Syllabi Analysis</a:t>
             </a:r>
-            <a:endParaRPr lang="en-US" sz="8000" dirty="0"/>
           </a:p>
         </p:txBody>
       </p:sp>
@@ -27155,7 +27185,7 @@
           </p:nvPr>
         </p:nvPicPr>
         <p:blipFill>
-          <a:blip r:embed="rId3">
+          <a:blip r:embed="rId4">
             <a:extLst>
               <a:ext uri="{28A0092B-C50C-407E-A947-70E740481C1C}">
                 <a14:useLocalDpi xmlns:a14="http://schemas.microsoft.com/office/drawing/2010/main" val="0"/>
@@ -27180,7 +27210,7 @@
           </p:nvPr>
         </p:nvPicPr>
         <p:blipFill>
-          <a:blip r:embed="rId3">
+          <a:blip r:embed="rId4">
             <a:extLst>
               <a:ext uri="{28A0092B-C50C-407E-A947-70E740481C1C}">
                 <a14:useLocalDpi xmlns:a14="http://schemas.microsoft.com/office/drawing/2010/main" val="0"/>
@@ -27569,120 +27599,127 @@
         </p:xfrm>
         <a:graphic>
           <a:graphicData uri="http://schemas.openxmlformats.org/drawingml/2006/diagram">
-            <dgm:relIds xmlns:dgm="http://schemas.openxmlformats.org/drawingml/2006/diagram" xmlns:r="http://schemas.openxmlformats.org/officeDocument/2006/relationships" r:dm="rId4" r:lo="rId5" r:qs="rId6" r:cs="rId7"/>
+            <dgm:relIds xmlns:dgm="http://schemas.openxmlformats.org/drawingml/2006/diagram" xmlns:r="http://schemas.openxmlformats.org/officeDocument/2006/relationships" r:dm="rId5" r:lo="rId6" r:qs="rId7" r:cs="rId8"/>
           </a:graphicData>
         </a:graphic>
       </p:graphicFrame>
       <p:pic>
         <p:nvPicPr>
-          <p:cNvPr id="40" name="Picture Placeholder 39"/>
+          <p:cNvPr id="25" name="Picture Placeholder 24" descr="txtIcousen1.png"/>
           <p:cNvPicPr>
             <a:picLocks noGrp="1" noChangeAspect="1"/>
           </p:cNvPicPr>
           <p:nvPr>
-            <p:ph type="pic" sz="quarter" idx="126"/>
+            <p:ph type="pic" sz="quarter" idx="130"/>
           </p:nvPr>
         </p:nvPicPr>
-        <p:blipFill>
-          <a:blip r:embed="rId9"/>
-          <a:srcRect t="33123" b="33123"/>
-          <a:stretch>
-            <a:fillRect/>
-          </a:stretch>
+        <p:blipFill rotWithShape="1">
+          <a:blip r:embed="rId10">
+            <a:extLst>
+              <a:ext uri="{28A0092B-C50C-407E-A947-70E740481C1C}">
+                <a14:useLocalDpi xmlns:a14="http://schemas.microsoft.com/office/drawing/2010/main" val="0"/>
+              </a:ext>
+            </a:extLst>
+          </a:blip>
+          <a:srcRect l="15136" t="8168" r="24848"/>
+          <a:stretch/>
         </p:blipFill>
-        <p:spPr/>
+        <p:spPr>
+          <a:xfrm>
+            <a:off x="3766175" y="24302185"/>
+            <a:ext cx="2416585" cy="3263878"/>
+          </a:xfrm>
+          <a:ln>
+            <a:noFill/>
+          </a:ln>
+        </p:spPr>
       </p:pic>
       <p:pic>
         <p:nvPicPr>
-          <p:cNvPr id="54" name="Picture Placeholder 53"/>
+          <p:cNvPr id="24" name="Picture Placeholder 23" descr="Excel_Document_Icon.PNG"/>
           <p:cNvPicPr>
             <a:picLocks noGrp="1" noChangeAspect="1"/>
           </p:cNvPicPr>
           <p:nvPr>
-            <p:ph type="pic" sz="quarter" idx="127"/>
+            <p:ph type="pic" sz="quarter" idx="131"/>
           </p:nvPr>
         </p:nvPicPr>
-        <p:blipFill>
-          <a:blip r:embed="rId9"/>
-          <a:srcRect t="33123" b="33123"/>
-          <a:stretch>
-            <a:fillRect/>
-          </a:stretch>
+        <p:blipFill rotWithShape="1">
+          <a:blip r:embed="rId11">
+            <a:extLst>
+              <a:ext uri="{BEBA8EAE-BF5A-486C-A8C5-ECC9F3942E4B}">
+                <a14:imgProps xmlns:a14="http://schemas.microsoft.com/office/drawing/2010/main">
+                  <a14:imgLayer r:embed="rId12">
+                    <a14:imgEffect>
+                      <a14:colorTemperature colorTemp="4700"/>
+                    </a14:imgEffect>
+                  </a14:imgLayer>
+                </a14:imgProps>
+              </a:ext>
+              <a:ext uri="{28A0092B-C50C-407E-A947-70E740481C1C}">
+                <a14:useLocalDpi xmlns:a14="http://schemas.microsoft.com/office/drawing/2010/main" val="0"/>
+              </a:ext>
+            </a:extLst>
+          </a:blip>
+          <a:srcRect l="-196" r="3187"/>
+          <a:stretch/>
         </p:blipFill>
-        <p:spPr/>
+        <p:spPr>
+          <a:xfrm>
+            <a:off x="10557105" y="24630660"/>
+            <a:ext cx="2521307" cy="2652546"/>
+          </a:xfrm>
+          <a:ln>
+            <a:noFill/>
+          </a:ln>
+        </p:spPr>
       </p:pic>
-      <p:sp>
-        <p:nvSpPr>
-          <p:cNvPr id="22" name="Picture Placeholder 21"/>
-          <p:cNvSpPr>
-            <a:spLocks noGrp="1"/>
-          </p:cNvSpPr>
-          <p:nvPr>
-            <p:ph type="pic" sz="quarter" idx="128"/>
-          </p:nvPr>
-        </p:nvSpPr>
-        <p:spPr/>
-      </p:sp>
-      <p:sp>
-        <p:nvSpPr>
-          <p:cNvPr id="41" name="Picture Placeholder 40"/>
-          <p:cNvSpPr>
-            <a:spLocks noGrp="1"/>
-          </p:cNvSpPr>
-          <p:nvPr>
-            <p:ph type="pic" sz="quarter" idx="129"/>
-          </p:nvPr>
-        </p:nvSpPr>
-        <p:spPr/>
-      </p:sp>
-      <p:sp>
-        <p:nvSpPr>
-          <p:cNvPr id="55" name="Picture Placeholder 54"/>
-          <p:cNvSpPr>
-            <a:spLocks noGrp="1"/>
-          </p:cNvSpPr>
-          <p:nvPr>
-            <p:ph type="pic" sz="quarter" idx="130"/>
-          </p:nvPr>
-        </p:nvSpPr>
-        <p:spPr/>
-      </p:sp>
-      <p:sp>
-        <p:nvSpPr>
-          <p:cNvPr id="58" name="Picture Placeholder 57"/>
-          <p:cNvSpPr>
-            <a:spLocks noGrp="1"/>
-          </p:cNvSpPr>
-          <p:nvPr>
-            <p:ph type="pic" sz="quarter" idx="131"/>
-          </p:nvPr>
-        </p:nvSpPr>
-        <p:spPr/>
-      </p:sp>
-      <p:sp>
-        <p:nvSpPr>
-          <p:cNvPr id="60" name="Picture Placeholder 59"/>
-          <p:cNvSpPr>
-            <a:spLocks noGrp="1"/>
-          </p:cNvSpPr>
+      <p:pic>
+        <p:nvPicPr>
+          <p:cNvPr id="20" name="Picture Placeholder 19" descr="pdf-icon.png"/>
+          <p:cNvPicPr>
+            <a:picLocks noGrp="1" noChangeAspect="1"/>
+          </p:cNvPicPr>
           <p:nvPr>
             <p:ph type="pic" sz="quarter" idx="132"/>
           </p:nvPr>
-        </p:nvSpPr>
-        <p:spPr/>
-      </p:sp>
-      <p:sp>
-        <p:nvSpPr>
-          <p:cNvPr id="29" name="Picture Placeholder 28"/>
-          <p:cNvSpPr>
-            <a:spLocks noGrp="1"/>
-          </p:cNvSpPr>
-          <p:nvPr>
-            <p:ph type="pic" sz="quarter" idx="133"/>
-          </p:nvPr>
-        </p:nvSpPr>
-        <p:spPr/>
-      </p:sp>
+        </p:nvPicPr>
+        <p:blipFill rotWithShape="1">
+          <a:blip r:embed="rId13">
+            <a:extLst>
+              <a:ext uri="{BEBA8EAE-BF5A-486C-A8C5-ECC9F3942E4B}">
+                <a14:imgProps xmlns:a14="http://schemas.microsoft.com/office/drawing/2010/main">
+                  <a14:imgLayer r:embed="rId14">
+                    <a14:imgEffect>
+                      <a14:artisticMarker/>
+                    </a14:imgEffect>
+                    <a14:imgEffect>
+                      <a14:colorTemperature colorTemp="4700"/>
+                    </a14:imgEffect>
+                  </a14:imgLayer>
+                </a14:imgProps>
+              </a:ext>
+              <a:ext uri="{28A0092B-C50C-407E-A947-70E740481C1C}">
+                <a14:useLocalDpi xmlns:a14="http://schemas.microsoft.com/office/drawing/2010/main" val="0"/>
+              </a:ext>
+            </a:extLst>
+          </a:blip>
+          <a:srcRect l="736" r="-1919"/>
+          <a:stretch/>
+        </p:blipFill>
+        <p:spPr>
+          <a:xfrm>
+            <a:off x="1036375" y="24642181"/>
+            <a:ext cx="2729800" cy="2697860"/>
+          </a:xfrm>
+          <a:solidFill>
+            <a:schemeClr val="bg1"/>
+          </a:solidFill>
+          <a:ln>
+            <a:noFill/>
+          </a:ln>
+        </p:spPr>
+      </p:pic>
       <p:sp>
         <p:nvSpPr>
           <p:cNvPr id="87" name="Text Placeholder 86"/>
@@ -28209,43 +28246,6 @@
                 </a:solidFill>
               </a:rPr>
               <a:t>Getting Started</a:t>
-            </a:r>
-            <a:endParaRPr lang="en-US" sz="8800" dirty="0">
-              <a:solidFill>
-                <a:srgbClr val="FFFFFF"/>
-              </a:solidFill>
-            </a:endParaRPr>
-          </a:p>
-        </p:txBody>
-      </p:sp>
-      <p:sp>
-        <p:nvSpPr>
-          <p:cNvPr id="99" name="Rectangle 98"/>
-          <p:cNvSpPr/>
-          <p:nvPr/>
-        </p:nvSpPr>
-        <p:spPr>
-          <a:xfrm>
-            <a:off x="6748896" y="21644499"/>
-            <a:ext cx="3694174" cy="923330"/>
-          </a:xfrm>
-          <a:prstGeom prst="rect">
-            <a:avLst/>
-          </a:prstGeom>
-        </p:spPr>
-        <p:txBody>
-          <a:bodyPr wrap="square">
-            <a:spAutoFit/>
-          </a:bodyPr>
-          <a:lstStyle/>
-          <a:p>
-            <a:r>
-              <a:rPr lang="en-US" sz="5400" dirty="0" smtClean="0">
-                <a:solidFill>
-                  <a:srgbClr val="FFFFFF"/>
-                </a:solidFill>
-              </a:rPr>
-              <a:t>Reality</a:t>
             </a:r>
             <a:endParaRPr lang="en-US" sz="8800" dirty="0">
               <a:solidFill>
@@ -28294,7 +28294,7 @@
           <p:nvPr/>
         </p:nvPicPr>
         <p:blipFill rotWithShape="1">
-          <a:blip r:embed="rId10">
+          <a:blip r:embed="rId15">
             <a:extLst>
               <a:ext uri="{28A0092B-C50C-407E-A947-70E740481C1C}">
                 <a14:useLocalDpi xmlns:a14="http://schemas.microsoft.com/office/drawing/2010/main" val="0"/>
@@ -28323,7 +28323,7 @@
           <p:nvPr/>
         </p:nvPicPr>
         <p:blipFill rotWithShape="1">
-          <a:blip r:embed="rId11">
+          <a:blip r:embed="rId16">
             <a:extLst>
               <a:ext uri="{28A0092B-C50C-407E-A947-70E740481C1C}">
                 <a14:useLocalDpi xmlns:a14="http://schemas.microsoft.com/office/drawing/2010/main" val="0"/>
@@ -28352,7 +28352,7 @@
           <p:nvPr/>
         </p:nvPicPr>
         <p:blipFill>
-          <a:blip r:embed="rId12">
+          <a:blip r:embed="rId17">
             <a:extLst>
               <a:ext uri="{28A0092B-C50C-407E-A947-70E740481C1C}">
                 <a14:useLocalDpi xmlns:a14="http://schemas.microsoft.com/office/drawing/2010/main" val="0"/>
@@ -28382,7 +28382,7 @@
           <p:nvPr/>
         </p:nvPicPr>
         <p:blipFill rotWithShape="1">
-          <a:blip r:embed="rId13">
+          <a:blip r:embed="rId18">
             <a:extLst>
               <a:ext uri="{28A0092B-C50C-407E-A947-70E740481C1C}">
                 <a14:useLocalDpi xmlns:a14="http://schemas.microsoft.com/office/drawing/2010/main" val="0"/>
@@ -28411,7 +28411,7 @@
           <p:nvPr/>
         </p:nvPicPr>
         <p:blipFill rotWithShape="1">
-          <a:blip r:embed="rId14">
+          <a:blip r:embed="rId19">
             <a:extLst>
               <a:ext uri="{28A0092B-C50C-407E-A947-70E740481C1C}">
                 <a14:useLocalDpi xmlns:a14="http://schemas.microsoft.com/office/drawing/2010/main" val="0"/>
@@ -28457,7 +28457,6 @@
               <a:rPr lang="en-US" sz="2800" dirty="0" smtClean="0"/>
               <a:t>Or contributions in our case</a:t>
             </a:r>
-            <a:endParaRPr lang="en-US" sz="2800" dirty="0" smtClean="0"/>
           </a:p>
         </p:txBody>
       </p:sp>
@@ -28493,7 +28492,7 @@
       </p:sp>
       <p:sp>
         <p:nvSpPr>
-          <p:cNvPr id="132" name="Rectangle 35"/>
+          <p:cNvPr id="139" name="Rectangle 35"/>
           <p:cNvSpPr>
             <a:spLocks noChangeArrowheads="1"/>
           </p:cNvSpPr>
@@ -28501,8 +28500,8 @@
         </p:nvSpPr>
         <p:spPr bwMode="auto">
           <a:xfrm>
-            <a:off x="3323431" y="15416196"/>
-            <a:ext cx="3973513" cy="3646488"/>
+            <a:off x="16495717" y="7904301"/>
+            <a:ext cx="9140825" cy="8839200"/>
           </a:xfrm>
           <a:prstGeom prst="rect">
             <a:avLst/>
@@ -28525,44 +28524,17 @@
           <a:p>
             <a:pPr algn="ctr" eaLnBrk="0" hangingPunct="0"/>
             <a:r>
-              <a:rPr lang="en-US" sz="4400" dirty="0">
+              <a:rPr lang="en-US" sz="4400">
                 <a:latin typeface="Times New Roman" charset="0"/>
               </a:rPr>
-              <a:t> PICTURE of </a:t>
-            </a:r>
-          </a:p>
-          <a:p>
-            <a:pPr algn="ctr" eaLnBrk="0" hangingPunct="0"/>
-            <a:r>
-              <a:rPr lang="en-US" sz="4400" dirty="0">
-                <a:latin typeface="Times New Roman" charset="0"/>
-              </a:rPr>
-              <a:t>syllabi docs</a:t>
-            </a:r>
-          </a:p>
-          <a:p>
-            <a:pPr algn="ctr" eaLnBrk="0" hangingPunct="0"/>
-            <a:r>
-              <a:rPr lang="en-US" sz="4400" dirty="0">
-                <a:latin typeface="Times New Roman" charset="0"/>
-              </a:rPr>
-              <a:t> going to</a:t>
-            </a:r>
-          </a:p>
-          <a:p>
-            <a:pPr algn="ctr" eaLnBrk="0" hangingPunct="0"/>
-            <a:r>
-              <a:rPr lang="en-US" sz="4400" dirty="0">
-                <a:latin typeface="Times New Roman" charset="0"/>
-              </a:rPr>
-              <a:t> computer</a:t>
-            </a:r>
-          </a:p>
-        </p:txBody>
-      </p:sp>
-      <p:sp>
-        <p:nvSpPr>
-          <p:cNvPr id="133" name="Rectangle 35"/>
+              <a:t> PICTURE of tree visualization</a:t>
+            </a:r>
+          </a:p>
+        </p:txBody>
+      </p:sp>
+      <p:sp>
+        <p:nvSpPr>
+          <p:cNvPr id="140" name="Rectangle 35"/>
           <p:cNvSpPr>
             <a:spLocks noChangeArrowheads="1"/>
           </p:cNvSpPr>
@@ -28570,8 +28542,8 @@
         </p:nvSpPr>
         <p:spPr bwMode="auto">
           <a:xfrm>
-            <a:off x="5496719" y="20386659"/>
-            <a:ext cx="3973512" cy="3646487"/>
+            <a:off x="16521117" y="20931326"/>
+            <a:ext cx="9140825" cy="8839200"/>
           </a:xfrm>
           <a:prstGeom prst="rect">
             <a:avLst/>
@@ -28597,7 +28569,7 @@
               <a:rPr lang="en-US" sz="4400">
                 <a:latin typeface="Times New Roman" charset="0"/>
               </a:rPr>
-              <a:t> PIC of </a:t>
+              <a:t> PICTURE of tree choosing a grade </a:t>
             </a:r>
           </a:p>
           <a:p>
@@ -28606,7 +28578,7 @@
               <a:rPr lang="en-US" sz="4400">
                 <a:latin typeface="Times New Roman" charset="0"/>
               </a:rPr>
-              <a:t>pdf syllabi </a:t>
+              <a:t>Given a syllabi</a:t>
             </a:r>
           </a:p>
           <a:p>
@@ -28615,32 +28587,185 @@
               <a:rPr lang="en-US" sz="4400">
                 <a:latin typeface="Times New Roman" charset="0"/>
               </a:rPr>
-              <a:t>converted </a:t>
-            </a:r>
-          </a:p>
-          <a:p>
-            <a:pPr algn="ctr" eaLnBrk="0" hangingPunct="0"/>
-            <a:r>
-              <a:rPr lang="en-US" sz="4400">
-                <a:latin typeface="Times New Roman" charset="0"/>
-              </a:rPr>
-              <a:t>to text</a:t>
-            </a:r>
-          </a:p>
-        </p:txBody>
-      </p:sp>
-      <p:sp>
-        <p:nvSpPr>
-          <p:cNvPr id="134" name="Rectangle 35"/>
-          <p:cNvSpPr>
+              <a:t>Just make path red or whatever</a:t>
+            </a:r>
+          </a:p>
+        </p:txBody>
+      </p:sp>
+      <p:sp>
+        <p:nvSpPr>
+          <p:cNvPr id="141" name="TextBox 3"/>
+          <p:cNvSpPr txBox="1">
             <a:spLocks noChangeArrowheads="1"/>
           </p:cNvSpPr>
           <p:nvPr/>
         </p:nvSpPr>
         <p:spPr bwMode="auto">
           <a:xfrm>
-            <a:off x="8036719" y="15395559"/>
-            <a:ext cx="3973512" cy="3646487"/>
+            <a:off x="16521117" y="16970339"/>
+            <a:ext cx="9523412" cy="3416320"/>
+          </a:xfrm>
+          <a:prstGeom prst="rect">
+            <a:avLst/>
+          </a:prstGeom>
+          <a:noFill/>
+          <a:ln>
+            <a:noFill/>
+          </a:ln>
+          <a:extLst>
+            <a:ext uri="{909E8E84-426E-40dd-AFC4-6F175D3DCCD1}">
+              <a14:hiddenFill xmlns:a14="http://schemas.microsoft.com/office/drawing/2010/main">
+                <a:solidFill>
+                  <a:srgbClr val="FFFFFF"/>
+                </a:solidFill>
+              </a14:hiddenFill>
+            </a:ext>
+            <a:ext uri="{91240B29-F687-4f45-9708-019B960494DF}">
+              <a14:hiddenLine xmlns:a14="http://schemas.microsoft.com/office/drawing/2010/main" w="9525">
+                <a:solidFill>
+                  <a:srgbClr val="000000"/>
+                </a:solidFill>
+                <a:miter lim="800000"/>
+                <a:headEnd/>
+                <a:tailEnd/>
+              </a14:hiddenLine>
+            </a:ext>
+          </a:extLst>
+        </p:spPr>
+        <p:txBody>
+          <a:bodyPr>
+            <a:spAutoFit/>
+          </a:bodyPr>
+          <a:lstStyle>
+            <a:lvl1pPr eaLnBrk="0" hangingPunct="0">
+              <a:defRPr sz="8600">
+                <a:solidFill>
+                  <a:schemeClr val="tx1"/>
+                </a:solidFill>
+                <a:latin typeface="Arial" charset="0"/>
+                <a:ea typeface="ＭＳ Ｐゴシック" charset="0"/>
+                <a:cs typeface="ＭＳ Ｐゴシック" charset="0"/>
+              </a:defRPr>
+            </a:lvl1pPr>
+            <a:lvl2pPr marL="742950" indent="-285750" eaLnBrk="0" hangingPunct="0">
+              <a:defRPr sz="8600">
+                <a:solidFill>
+                  <a:schemeClr val="tx1"/>
+                </a:solidFill>
+                <a:latin typeface="Arial" charset="0"/>
+                <a:ea typeface="ＭＳ Ｐゴシック" charset="0"/>
+              </a:defRPr>
+            </a:lvl2pPr>
+            <a:lvl3pPr marL="1143000" indent="-228600" eaLnBrk="0" hangingPunct="0">
+              <a:defRPr sz="8600">
+                <a:solidFill>
+                  <a:schemeClr val="tx1"/>
+                </a:solidFill>
+                <a:latin typeface="Arial" charset="0"/>
+                <a:ea typeface="ＭＳ Ｐゴシック" charset="0"/>
+              </a:defRPr>
+            </a:lvl3pPr>
+            <a:lvl4pPr marL="1600200" indent="-228600" eaLnBrk="0" hangingPunct="0">
+              <a:defRPr sz="8600">
+                <a:solidFill>
+                  <a:schemeClr val="tx1"/>
+                </a:solidFill>
+                <a:latin typeface="Arial" charset="0"/>
+                <a:ea typeface="ＭＳ Ｐゴシック" charset="0"/>
+              </a:defRPr>
+            </a:lvl4pPr>
+            <a:lvl5pPr marL="2057400" indent="-228600" eaLnBrk="0" hangingPunct="0">
+              <a:defRPr sz="8600">
+                <a:solidFill>
+                  <a:schemeClr val="tx1"/>
+                </a:solidFill>
+                <a:latin typeface="Arial" charset="0"/>
+                <a:ea typeface="ＭＳ Ｐゴシック" charset="0"/>
+              </a:defRPr>
+            </a:lvl5pPr>
+            <a:lvl6pPr marL="2514600" indent="-228600" eaLnBrk="0" fontAlgn="base" hangingPunct="0">
+              <a:spcBef>
+                <a:spcPct val="0"/>
+              </a:spcBef>
+              <a:spcAft>
+                <a:spcPct val="0"/>
+              </a:spcAft>
+              <a:defRPr sz="8600">
+                <a:solidFill>
+                  <a:schemeClr val="tx1"/>
+                </a:solidFill>
+                <a:latin typeface="Arial" charset="0"/>
+                <a:ea typeface="ＭＳ Ｐゴシック" charset="0"/>
+              </a:defRPr>
+            </a:lvl6pPr>
+            <a:lvl7pPr marL="2971800" indent="-228600" eaLnBrk="0" fontAlgn="base" hangingPunct="0">
+              <a:spcBef>
+                <a:spcPct val="0"/>
+              </a:spcBef>
+              <a:spcAft>
+                <a:spcPct val="0"/>
+              </a:spcAft>
+              <a:defRPr sz="8600">
+                <a:solidFill>
+                  <a:schemeClr val="tx1"/>
+                </a:solidFill>
+                <a:latin typeface="Arial" charset="0"/>
+                <a:ea typeface="ＭＳ Ｐゴシック" charset="0"/>
+              </a:defRPr>
+            </a:lvl7pPr>
+            <a:lvl8pPr marL="3429000" indent="-228600" eaLnBrk="0" fontAlgn="base" hangingPunct="0">
+              <a:spcBef>
+                <a:spcPct val="0"/>
+              </a:spcBef>
+              <a:spcAft>
+                <a:spcPct val="0"/>
+              </a:spcAft>
+              <a:defRPr sz="8600">
+                <a:solidFill>
+                  <a:schemeClr val="tx1"/>
+                </a:solidFill>
+                <a:latin typeface="Arial" charset="0"/>
+                <a:ea typeface="ＭＳ Ｐゴシック" charset="0"/>
+              </a:defRPr>
+            </a:lvl8pPr>
+            <a:lvl9pPr marL="3886200" indent="-228600" eaLnBrk="0" fontAlgn="base" hangingPunct="0">
+              <a:spcBef>
+                <a:spcPct val="0"/>
+              </a:spcBef>
+              <a:spcAft>
+                <a:spcPct val="0"/>
+              </a:spcAft>
+              <a:defRPr sz="8600">
+                <a:solidFill>
+                  <a:schemeClr val="tx1"/>
+                </a:solidFill>
+                <a:latin typeface="Arial" charset="0"/>
+                <a:ea typeface="ＭＳ Ｐゴシック" charset="0"/>
+              </a:defRPr>
+            </a:lvl9pPr>
+          </a:lstStyle>
+          <a:p>
+            <a:pPr eaLnBrk="1" hangingPunct="1"/>
+            <a:r>
+              <a:rPr lang="en-US" sz="7200" dirty="0" smtClean="0"/>
+              <a:t>Decision tree algorithms recursively split data.</a:t>
+            </a:r>
+            <a:endParaRPr lang="en-US" sz="7200" dirty="0"/>
+          </a:p>
+        </p:txBody>
+      </p:sp>
+      <p:sp>
+        <p:nvSpPr>
+          <p:cNvPr id="142" name="Rectangle 35"/>
+          <p:cNvSpPr>
+            <a:spLocks noChangeArrowheads="1"/>
+          </p:cNvSpPr>
+          <p:nvPr/>
+        </p:nvSpPr>
+        <p:spPr bwMode="auto">
+          <a:xfrm>
+            <a:off x="32621609" y="7683798"/>
+            <a:ext cx="7033805" cy="4528286"/>
           </a:xfrm>
           <a:prstGeom prst="rect">
             <a:avLst/>
@@ -28666,7 +28791,7 @@
               <a:rPr lang="en-US" sz="4400" dirty="0">
                 <a:latin typeface="Times New Roman" charset="0"/>
               </a:rPr>
-              <a:t>Pic of</a:t>
+              <a:t> PICTURE</a:t>
             </a:r>
           </a:p>
           <a:p>
@@ -28675,23 +28800,24 @@
               <a:rPr lang="en-US" sz="4400" dirty="0">
                 <a:latin typeface="Times New Roman" charset="0"/>
               </a:rPr>
-              <a:t> medians going </a:t>
+              <a:t>Of </a:t>
+            </a:r>
+            <a:r>
+              <a:rPr lang="en-US" sz="4400" b="1" dirty="0"/>
+              <a:t>Median Grade Prediction</a:t>
             </a:r>
           </a:p>
           <a:p>
             <a:pPr algn="ctr" eaLnBrk="0" hangingPunct="0"/>
-            <a:r>
-              <a:rPr lang="en-US" sz="4400" dirty="0">
-                <a:latin typeface="Times New Roman" charset="0"/>
-              </a:rPr>
-              <a:t>to computer</a:t>
-            </a:r>
-          </a:p>
-        </p:txBody>
-      </p:sp>
-      <p:sp>
-        <p:nvSpPr>
-          <p:cNvPr id="135" name="Rectangle 35"/>
+            <a:endParaRPr lang="en-US" sz="4400" dirty="0">
+              <a:latin typeface="Times New Roman" charset="0"/>
+            </a:endParaRPr>
+          </a:p>
+        </p:txBody>
+      </p:sp>
+      <p:sp>
+        <p:nvSpPr>
+          <p:cNvPr id="143" name="Rectangle 35"/>
           <p:cNvSpPr>
             <a:spLocks noChangeArrowheads="1"/>
           </p:cNvSpPr>
@@ -28699,8 +28825,8 @@
         </p:nvSpPr>
         <p:spPr bwMode="auto">
           <a:xfrm>
-            <a:off x="5417344" y="26358834"/>
-            <a:ext cx="3973512" cy="3646487"/>
+            <a:off x="32621609" y="17577878"/>
+            <a:ext cx="7033805" cy="4528286"/>
           </a:xfrm>
           <a:prstGeom prst="rect">
             <a:avLst/>
@@ -28723,468 +28849,6 @@
           <a:p>
             <a:pPr algn="ctr" eaLnBrk="0" hangingPunct="0"/>
             <a:r>
-              <a:rPr lang="en-US" sz="4400">
-                <a:latin typeface="Times New Roman" charset="0"/>
-              </a:rPr>
-              <a:t> PIC of </a:t>
-            </a:r>
-          </a:p>
-          <a:p>
-            <a:pPr algn="ctr" eaLnBrk="0" hangingPunct="0"/>
-            <a:r>
-              <a:rPr lang="en-US" sz="4400">
-                <a:latin typeface="Times New Roman" charset="0"/>
-              </a:rPr>
-              <a:t>Text file</a:t>
-            </a:r>
-          </a:p>
-          <a:p>
-            <a:pPr algn="ctr" eaLnBrk="0" hangingPunct="0"/>
-            <a:r>
-              <a:rPr lang="en-US" sz="4400">
-                <a:latin typeface="Times New Roman" charset="0"/>
-              </a:rPr>
-              <a:t>Becoming</a:t>
-            </a:r>
-          </a:p>
-          <a:p>
-            <a:pPr algn="ctr" eaLnBrk="0" hangingPunct="0"/>
-            <a:r>
-              <a:rPr lang="en-US" sz="4400">
-                <a:latin typeface="Times New Roman" charset="0"/>
-              </a:rPr>
-              <a:t>Matlab </a:t>
-            </a:r>
-          </a:p>
-          <a:p>
-            <a:pPr algn="ctr" eaLnBrk="0" hangingPunct="0"/>
-            <a:r>
-              <a:rPr lang="en-US" sz="4400">
-                <a:latin typeface="Times New Roman" charset="0"/>
-              </a:rPr>
-              <a:t>features</a:t>
-            </a:r>
-          </a:p>
-        </p:txBody>
-      </p:sp>
-      <p:sp>
-        <p:nvSpPr>
-          <p:cNvPr id="136" name="Down Arrow 4"/>
-          <p:cNvSpPr>
-            <a:spLocks noChangeArrowheads="1"/>
-          </p:cNvSpPr>
-          <p:nvPr/>
-        </p:nvSpPr>
-        <p:spPr bwMode="auto">
-          <a:xfrm>
-            <a:off x="6642894" y="23890271"/>
-            <a:ext cx="1693862" cy="2720975"/>
-          </a:xfrm>
-          <a:prstGeom prst="downArrow">
-            <a:avLst>
-              <a:gd name="adj1" fmla="val 50000"/>
-              <a:gd name="adj2" fmla="val 49984"/>
-            </a:avLst>
-          </a:prstGeom>
-          <a:solidFill>
-            <a:srgbClr val="000000"/>
-          </a:solidFill>
-          <a:ln w="9525">
-            <a:solidFill>
-              <a:srgbClr val="800000"/>
-            </a:solidFill>
-            <a:round/>
-            <a:headEnd/>
-            <a:tailEnd/>
-          </a:ln>
-        </p:spPr>
-        <p:txBody>
-          <a:bodyPr wrap="none" anchor="ctr"/>
-          <a:lstStyle/>
-          <a:p>
-            <a:pPr algn="ctr" defTabSz="4389438"/>
-            <a:endParaRPr lang="en-US"/>
-          </a:p>
-        </p:txBody>
-      </p:sp>
-      <p:sp>
-        <p:nvSpPr>
-          <p:cNvPr id="137" name="Down Arrow 40"/>
-          <p:cNvSpPr>
-            <a:spLocks noChangeArrowheads="1"/>
-          </p:cNvSpPr>
-          <p:nvPr/>
-        </p:nvSpPr>
-        <p:spPr bwMode="auto">
-          <a:xfrm rot="3102233">
-            <a:off x="8541544" y="18480071"/>
-            <a:ext cx="1492250" cy="2720975"/>
-          </a:xfrm>
-          <a:prstGeom prst="downArrow">
-            <a:avLst>
-              <a:gd name="adj1" fmla="val 50000"/>
-              <a:gd name="adj2" fmla="val 49966"/>
-            </a:avLst>
-          </a:prstGeom>
-          <a:solidFill>
-            <a:schemeClr val="tx1"/>
-          </a:solidFill>
-          <a:ln w="9525">
-            <a:solidFill>
-              <a:srgbClr val="800000"/>
-            </a:solidFill>
-            <a:round/>
-            <a:headEnd/>
-            <a:tailEnd/>
-          </a:ln>
-        </p:spPr>
-        <p:txBody>
-          <a:bodyPr wrap="none" anchor="ctr"/>
-          <a:lstStyle/>
-          <a:p>
-            <a:pPr algn="ctr" defTabSz="4389438"/>
-            <a:endParaRPr lang="en-US"/>
-          </a:p>
-        </p:txBody>
-      </p:sp>
-      <p:sp>
-        <p:nvSpPr>
-          <p:cNvPr id="138" name="Down Arrow 41"/>
-          <p:cNvSpPr>
-            <a:spLocks noChangeArrowheads="1"/>
-          </p:cNvSpPr>
-          <p:nvPr/>
-        </p:nvSpPr>
-        <p:spPr bwMode="auto">
-          <a:xfrm rot="18497767" flipH="1">
-            <a:off x="5064919" y="18451496"/>
-            <a:ext cx="1492250" cy="2720975"/>
-          </a:xfrm>
-          <a:prstGeom prst="downArrow">
-            <a:avLst>
-              <a:gd name="adj1" fmla="val 50000"/>
-              <a:gd name="adj2" fmla="val 49966"/>
-            </a:avLst>
-          </a:prstGeom>
-          <a:solidFill>
-            <a:srgbClr val="000000"/>
-          </a:solidFill>
-          <a:ln w="9525">
-            <a:solidFill>
-              <a:srgbClr val="800000"/>
-            </a:solidFill>
-            <a:round/>
-            <a:headEnd/>
-            <a:tailEnd/>
-          </a:ln>
-        </p:spPr>
-        <p:txBody>
-          <a:bodyPr wrap="none" anchor="ctr"/>
-          <a:lstStyle/>
-          <a:p>
-            <a:pPr algn="ctr" defTabSz="4389438"/>
-            <a:endParaRPr lang="en-US"/>
-          </a:p>
-        </p:txBody>
-      </p:sp>
-      <p:sp>
-        <p:nvSpPr>
-          <p:cNvPr id="139" name="Rectangle 35"/>
-          <p:cNvSpPr>
-            <a:spLocks noChangeArrowheads="1"/>
-          </p:cNvSpPr>
-          <p:nvPr/>
-        </p:nvSpPr>
-        <p:spPr bwMode="auto">
-          <a:xfrm>
-            <a:off x="16495717" y="7904301"/>
-            <a:ext cx="9140825" cy="8839200"/>
-          </a:xfrm>
-          <a:prstGeom prst="rect">
-            <a:avLst/>
-          </a:prstGeom>
-          <a:solidFill>
-            <a:schemeClr val="bg1"/>
-          </a:solidFill>
-          <a:ln w="9525">
-            <a:solidFill>
-              <a:srgbClr val="800000"/>
-            </a:solidFill>
-            <a:miter lim="800000"/>
-            <a:headEnd/>
-            <a:tailEnd/>
-          </a:ln>
-        </p:spPr>
-        <p:txBody>
-          <a:bodyPr wrap="none" anchor="ctr"/>
-          <a:lstStyle/>
-          <a:p>
-            <a:pPr algn="ctr" eaLnBrk="0" hangingPunct="0"/>
-            <a:r>
-              <a:rPr lang="en-US" sz="4400">
-                <a:latin typeface="Times New Roman" charset="0"/>
-              </a:rPr>
-              <a:t> PICTURE of tree visualization</a:t>
-            </a:r>
-          </a:p>
-        </p:txBody>
-      </p:sp>
-      <p:sp>
-        <p:nvSpPr>
-          <p:cNvPr id="140" name="Rectangle 35"/>
-          <p:cNvSpPr>
-            <a:spLocks noChangeArrowheads="1"/>
-          </p:cNvSpPr>
-          <p:nvPr/>
-        </p:nvSpPr>
-        <p:spPr bwMode="auto">
-          <a:xfrm>
-            <a:off x="16521117" y="20931326"/>
-            <a:ext cx="9140825" cy="8839200"/>
-          </a:xfrm>
-          <a:prstGeom prst="rect">
-            <a:avLst/>
-          </a:prstGeom>
-          <a:solidFill>
-            <a:schemeClr val="bg1"/>
-          </a:solidFill>
-          <a:ln w="9525">
-            <a:solidFill>
-              <a:srgbClr val="800000"/>
-            </a:solidFill>
-            <a:miter lim="800000"/>
-            <a:headEnd/>
-            <a:tailEnd/>
-          </a:ln>
-        </p:spPr>
-        <p:txBody>
-          <a:bodyPr wrap="none" anchor="ctr"/>
-          <a:lstStyle/>
-          <a:p>
-            <a:pPr algn="ctr" eaLnBrk="0" hangingPunct="0"/>
-            <a:r>
-              <a:rPr lang="en-US" sz="4400">
-                <a:latin typeface="Times New Roman" charset="0"/>
-              </a:rPr>
-              <a:t> PICTURE of tree choosing a grade </a:t>
-            </a:r>
-          </a:p>
-          <a:p>
-            <a:pPr algn="ctr" eaLnBrk="0" hangingPunct="0"/>
-            <a:r>
-              <a:rPr lang="en-US" sz="4400">
-                <a:latin typeface="Times New Roman" charset="0"/>
-              </a:rPr>
-              <a:t>Given a syllabi</a:t>
-            </a:r>
-          </a:p>
-          <a:p>
-            <a:pPr algn="ctr" eaLnBrk="0" hangingPunct="0"/>
-            <a:r>
-              <a:rPr lang="en-US" sz="4400">
-                <a:latin typeface="Times New Roman" charset="0"/>
-              </a:rPr>
-              <a:t>Just make path red or whatever</a:t>
-            </a:r>
-          </a:p>
-        </p:txBody>
-      </p:sp>
-      <p:sp>
-        <p:nvSpPr>
-          <p:cNvPr id="141" name="TextBox 3"/>
-          <p:cNvSpPr txBox="1">
-            <a:spLocks noChangeArrowheads="1"/>
-          </p:cNvSpPr>
-          <p:nvPr/>
-        </p:nvSpPr>
-        <p:spPr bwMode="auto">
-          <a:xfrm>
-            <a:off x="16521117" y="16970339"/>
-            <a:ext cx="9523412" cy="3416320"/>
-          </a:xfrm>
-          <a:prstGeom prst="rect">
-            <a:avLst/>
-          </a:prstGeom>
-          <a:noFill/>
-          <a:ln>
-            <a:noFill/>
-          </a:ln>
-          <a:extLst>
-            <a:ext uri="{909E8E84-426E-40dd-AFC4-6F175D3DCCD1}">
-              <a14:hiddenFill xmlns:a14="http://schemas.microsoft.com/office/drawing/2010/main">
-                <a:solidFill>
-                  <a:srgbClr val="FFFFFF"/>
-                </a:solidFill>
-              </a14:hiddenFill>
-            </a:ext>
-            <a:ext uri="{91240B29-F687-4f45-9708-019B960494DF}">
-              <a14:hiddenLine xmlns:a14="http://schemas.microsoft.com/office/drawing/2010/main" w="9525">
-                <a:solidFill>
-                  <a:srgbClr val="000000"/>
-                </a:solidFill>
-                <a:miter lim="800000"/>
-                <a:headEnd/>
-                <a:tailEnd/>
-              </a14:hiddenLine>
-            </a:ext>
-          </a:extLst>
-        </p:spPr>
-        <p:txBody>
-          <a:bodyPr>
-            <a:spAutoFit/>
-          </a:bodyPr>
-          <a:lstStyle>
-            <a:lvl1pPr eaLnBrk="0" hangingPunct="0">
-              <a:defRPr sz="8600">
-                <a:solidFill>
-                  <a:schemeClr val="tx1"/>
-                </a:solidFill>
-                <a:latin typeface="Arial" charset="0"/>
-                <a:ea typeface="ＭＳ Ｐゴシック" charset="0"/>
-                <a:cs typeface="ＭＳ Ｐゴシック" charset="0"/>
-              </a:defRPr>
-            </a:lvl1pPr>
-            <a:lvl2pPr marL="742950" indent="-285750" eaLnBrk="0" hangingPunct="0">
-              <a:defRPr sz="8600">
-                <a:solidFill>
-                  <a:schemeClr val="tx1"/>
-                </a:solidFill>
-                <a:latin typeface="Arial" charset="0"/>
-                <a:ea typeface="ＭＳ Ｐゴシック" charset="0"/>
-              </a:defRPr>
-            </a:lvl2pPr>
-            <a:lvl3pPr marL="1143000" indent="-228600" eaLnBrk="0" hangingPunct="0">
-              <a:defRPr sz="8600">
-                <a:solidFill>
-                  <a:schemeClr val="tx1"/>
-                </a:solidFill>
-                <a:latin typeface="Arial" charset="0"/>
-                <a:ea typeface="ＭＳ Ｐゴシック" charset="0"/>
-              </a:defRPr>
-            </a:lvl3pPr>
-            <a:lvl4pPr marL="1600200" indent="-228600" eaLnBrk="0" hangingPunct="0">
-              <a:defRPr sz="8600">
-                <a:solidFill>
-                  <a:schemeClr val="tx1"/>
-                </a:solidFill>
-                <a:latin typeface="Arial" charset="0"/>
-                <a:ea typeface="ＭＳ Ｐゴシック" charset="0"/>
-              </a:defRPr>
-            </a:lvl4pPr>
-            <a:lvl5pPr marL="2057400" indent="-228600" eaLnBrk="0" hangingPunct="0">
-              <a:defRPr sz="8600">
-                <a:solidFill>
-                  <a:schemeClr val="tx1"/>
-                </a:solidFill>
-                <a:latin typeface="Arial" charset="0"/>
-                <a:ea typeface="ＭＳ Ｐゴシック" charset="0"/>
-              </a:defRPr>
-            </a:lvl5pPr>
-            <a:lvl6pPr marL="2514600" indent="-228600" eaLnBrk="0" fontAlgn="base" hangingPunct="0">
-              <a:spcBef>
-                <a:spcPct val="0"/>
-              </a:spcBef>
-              <a:spcAft>
-                <a:spcPct val="0"/>
-              </a:spcAft>
-              <a:defRPr sz="8600">
-                <a:solidFill>
-                  <a:schemeClr val="tx1"/>
-                </a:solidFill>
-                <a:latin typeface="Arial" charset="0"/>
-                <a:ea typeface="ＭＳ Ｐゴシック" charset="0"/>
-              </a:defRPr>
-            </a:lvl6pPr>
-            <a:lvl7pPr marL="2971800" indent="-228600" eaLnBrk="0" fontAlgn="base" hangingPunct="0">
-              <a:spcBef>
-                <a:spcPct val="0"/>
-              </a:spcBef>
-              <a:spcAft>
-                <a:spcPct val="0"/>
-              </a:spcAft>
-              <a:defRPr sz="8600">
-                <a:solidFill>
-                  <a:schemeClr val="tx1"/>
-                </a:solidFill>
-                <a:latin typeface="Arial" charset="0"/>
-                <a:ea typeface="ＭＳ Ｐゴシック" charset="0"/>
-              </a:defRPr>
-            </a:lvl7pPr>
-            <a:lvl8pPr marL="3429000" indent="-228600" eaLnBrk="0" fontAlgn="base" hangingPunct="0">
-              <a:spcBef>
-                <a:spcPct val="0"/>
-              </a:spcBef>
-              <a:spcAft>
-                <a:spcPct val="0"/>
-              </a:spcAft>
-              <a:defRPr sz="8600">
-                <a:solidFill>
-                  <a:schemeClr val="tx1"/>
-                </a:solidFill>
-                <a:latin typeface="Arial" charset="0"/>
-                <a:ea typeface="ＭＳ Ｐゴシック" charset="0"/>
-              </a:defRPr>
-            </a:lvl8pPr>
-            <a:lvl9pPr marL="3886200" indent="-228600" eaLnBrk="0" fontAlgn="base" hangingPunct="0">
-              <a:spcBef>
-                <a:spcPct val="0"/>
-              </a:spcBef>
-              <a:spcAft>
-                <a:spcPct val="0"/>
-              </a:spcAft>
-              <a:defRPr sz="8600">
-                <a:solidFill>
-                  <a:schemeClr val="tx1"/>
-                </a:solidFill>
-                <a:latin typeface="Arial" charset="0"/>
-                <a:ea typeface="ＭＳ Ｐゴシック" charset="0"/>
-              </a:defRPr>
-            </a:lvl9pPr>
-          </a:lstStyle>
-          <a:p>
-            <a:pPr eaLnBrk="1" hangingPunct="1"/>
-            <a:r>
-              <a:rPr lang="en-US" sz="7200" dirty="0" smtClean="0"/>
-              <a:t>Decision tree algorithms recursively split data.</a:t>
-            </a:r>
-            <a:endParaRPr lang="en-US" sz="7200" dirty="0"/>
-          </a:p>
-        </p:txBody>
-      </p:sp>
-      <p:sp>
-        <p:nvSpPr>
-          <p:cNvPr id="142" name="Rectangle 35"/>
-          <p:cNvSpPr>
-            <a:spLocks noChangeArrowheads="1"/>
-          </p:cNvSpPr>
-          <p:nvPr/>
-        </p:nvSpPr>
-        <p:spPr bwMode="auto">
-          <a:xfrm>
-            <a:off x="32621609" y="7683798"/>
-            <a:ext cx="7033805" cy="4528286"/>
-          </a:xfrm>
-          <a:prstGeom prst="rect">
-            <a:avLst/>
-          </a:prstGeom>
-          <a:solidFill>
-            <a:schemeClr val="bg1"/>
-          </a:solidFill>
-          <a:ln w="9525">
-            <a:solidFill>
-              <a:srgbClr val="800000"/>
-            </a:solidFill>
-            <a:miter lim="800000"/>
-            <a:headEnd/>
-            <a:tailEnd/>
-          </a:ln>
-        </p:spPr>
-        <p:txBody>
-          <a:bodyPr wrap="none" anchor="ctr"/>
-          <a:lstStyle/>
-          <a:p>
-            <a:pPr algn="ctr" eaLnBrk="0" hangingPunct="0"/>
-            <a:r>
               <a:rPr lang="en-US" sz="4400" dirty="0">
                 <a:latin typeface="Times New Roman" charset="0"/>
               </a:rPr>
@@ -29214,67 +28878,6 @@
       </p:sp>
       <p:sp>
         <p:nvSpPr>
-          <p:cNvPr id="143" name="Rectangle 35"/>
-          <p:cNvSpPr>
-            <a:spLocks noChangeArrowheads="1"/>
-          </p:cNvSpPr>
-          <p:nvPr/>
-        </p:nvSpPr>
-        <p:spPr bwMode="auto">
-          <a:xfrm>
-            <a:off x="32621609" y="17577878"/>
-            <a:ext cx="7033805" cy="4528286"/>
-          </a:xfrm>
-          <a:prstGeom prst="rect">
-            <a:avLst/>
-          </a:prstGeom>
-          <a:solidFill>
-            <a:schemeClr val="bg1"/>
-          </a:solidFill>
-          <a:ln w="9525">
-            <a:solidFill>
-              <a:srgbClr val="800000"/>
-            </a:solidFill>
-            <a:miter lim="800000"/>
-            <a:headEnd/>
-            <a:tailEnd/>
-          </a:ln>
-        </p:spPr>
-        <p:txBody>
-          <a:bodyPr wrap="none" anchor="ctr"/>
-          <a:lstStyle/>
-          <a:p>
-            <a:pPr algn="ctr" eaLnBrk="0" hangingPunct="0"/>
-            <a:r>
-              <a:rPr lang="en-US" sz="4400" dirty="0">
-                <a:latin typeface="Times New Roman" charset="0"/>
-              </a:rPr>
-              <a:t> PICTURE</a:t>
-            </a:r>
-          </a:p>
-          <a:p>
-            <a:pPr algn="ctr" eaLnBrk="0" hangingPunct="0"/>
-            <a:r>
-              <a:rPr lang="en-US" sz="4400" dirty="0">
-                <a:latin typeface="Times New Roman" charset="0"/>
-              </a:rPr>
-              <a:t>Of </a:t>
-            </a:r>
-            <a:r>
-              <a:rPr lang="en-US" sz="4400" b="1" dirty="0"/>
-              <a:t>Median Grade Prediction</a:t>
-            </a:r>
-          </a:p>
-          <a:p>
-            <a:pPr algn="ctr" eaLnBrk="0" hangingPunct="0"/>
-            <a:endParaRPr lang="en-US" sz="4400" dirty="0">
-              <a:latin typeface="Times New Roman" charset="0"/>
-            </a:endParaRPr>
-          </a:p>
-        </p:txBody>
-      </p:sp>
-      <p:sp>
-        <p:nvSpPr>
           <p:cNvPr id="77" name="Right Arrow 76"/>
           <p:cNvSpPr/>
           <p:nvPr/>
@@ -29282,11 +28885,28 @@
         <p:spPr>
           <a:xfrm>
             <a:off x="6990601" y="8624222"/>
-            <a:ext cx="1954673" cy="944022"/>
+            <a:ext cx="1954673" cy="1467242"/>
           </a:xfrm>
           <a:prstGeom prst="rightArrow">
             <a:avLst/>
           </a:prstGeom>
+          <a:solidFill>
+            <a:srgbClr val="3A4C86"/>
+          </a:solidFill>
+          <a:effectLst>
+            <a:glow rad="101600">
+              <a:schemeClr val="bg1">
+                <a:alpha val="75000"/>
+              </a:schemeClr>
+            </a:glow>
+          </a:effectLst>
+          <a:scene3d>
+            <a:camera prst="orthographicFront"/>
+            <a:lightRig rig="threePt" dir="t"/>
+          </a:scene3d>
+          <a:sp3d>
+            <a:bevelT w="152400" h="50800" prst="softRound"/>
+          </a:sp3d>
         </p:spPr>
         <p:style>
           <a:lnRef idx="1">
@@ -29324,7 +28944,7 @@
           <p:nvPr/>
         </p:nvPicPr>
         <p:blipFill>
-          <a:blip r:embed="rId15" cstate="print">
+          <a:blip r:embed="rId20" cstate="print">
             <a:extLst>
               <a:ext uri="{28A0092B-C50C-407E-A947-70E740481C1C}">
                 <a14:useLocalDpi xmlns:a14="http://schemas.microsoft.com/office/drawing/2010/main" val="0"/>
@@ -29354,7 +28974,7 @@
           <p:nvPr/>
         </p:nvPicPr>
         <p:blipFill>
-          <a:blip r:embed="rId16">
+          <a:blip r:embed="rId21">
             <a:extLst>
               <a:ext uri="{28A0092B-C50C-407E-A947-70E740481C1C}">
                 <a14:useLocalDpi xmlns:a14="http://schemas.microsoft.com/office/drawing/2010/main" val="0"/>
@@ -29375,6 +28995,811 @@
           </a:prstGeom>
         </p:spPr>
       </p:pic>
+      <p:pic>
+        <p:nvPicPr>
+          <p:cNvPr id="89" name="Picture 88" descr="grade_a_minus.png"/>
+          <p:cNvPicPr>
+            <a:picLocks noChangeAspect="1"/>
+          </p:cNvPicPr>
+          <p:nvPr/>
+        </p:nvPicPr>
+        <p:blipFill>
+          <a:blip r:embed="rId20" cstate="print">
+            <a:extLst>
+              <a:ext uri="{28A0092B-C50C-407E-A947-70E740481C1C}">
+                <a14:useLocalDpi xmlns:a14="http://schemas.microsoft.com/office/drawing/2010/main" val="0"/>
+              </a:ext>
+            </a:extLst>
+          </a:blip>
+          <a:stretch>
+            <a:fillRect/>
+          </a:stretch>
+        </p:blipFill>
+        <p:spPr>
+          <a:xfrm>
+            <a:off x="10833195" y="17854504"/>
+            <a:ext cx="2370210" cy="2216300"/>
+          </a:xfrm>
+          <a:prstGeom prst="rect">
+            <a:avLst/>
+          </a:prstGeom>
+        </p:spPr>
+      </p:pic>
+      <p:pic>
+        <p:nvPicPr>
+          <p:cNvPr id="93" name="Picture 92" descr="syllabus.png"/>
+          <p:cNvPicPr>
+            <a:picLocks noChangeAspect="1"/>
+          </p:cNvPicPr>
+          <p:nvPr/>
+        </p:nvPicPr>
+        <p:blipFill>
+          <a:blip r:embed="rId21">
+            <a:extLst>
+              <a:ext uri="{28A0092B-C50C-407E-A947-70E740481C1C}">
+                <a14:useLocalDpi xmlns:a14="http://schemas.microsoft.com/office/drawing/2010/main" val="0"/>
+              </a:ext>
+            </a:extLst>
+          </a:blip>
+          <a:stretch>
+            <a:fillRect/>
+          </a:stretch>
+        </p:blipFill>
+        <p:spPr>
+          <a:xfrm>
+            <a:off x="2933850" y="18100429"/>
+            <a:ext cx="2987692" cy="2240769"/>
+          </a:xfrm>
+          <a:prstGeom prst="rect">
+            <a:avLst/>
+          </a:prstGeom>
+        </p:spPr>
+      </p:pic>
+      <p:pic>
+        <p:nvPicPr>
+          <p:cNvPr id="17" name="Picture Placeholder 16" descr="computer.jpg"/>
+          <p:cNvPicPr>
+            <a:picLocks noGrp="1" noChangeAspect="1"/>
+          </p:cNvPicPr>
+          <p:nvPr>
+            <p:ph type="pic" sz="quarter" idx="133"/>
+          </p:nvPr>
+        </p:nvPicPr>
+        <p:blipFill>
+          <a:blip r:embed="rId22">
+            <a:extLst>
+              <a:ext uri="{28A0092B-C50C-407E-A947-70E740481C1C}">
+                <a14:useLocalDpi xmlns:a14="http://schemas.microsoft.com/office/drawing/2010/main" val="0"/>
+              </a:ext>
+            </a:extLst>
+          </a:blip>
+          <a:srcRect l="-32257" r="-32257"/>
+          <a:stretch>
+            <a:fillRect/>
+          </a:stretch>
+        </p:blipFill>
+        <p:spPr>
+          <a:xfrm>
+            <a:off x="4581776" y="20341198"/>
+            <a:ext cx="5768504" cy="3529931"/>
+          </a:xfrm>
+          <a:solidFill>
+            <a:schemeClr val="bg1"/>
+          </a:solidFill>
+          <a:ln>
+            <a:noFill/>
+          </a:ln>
+        </p:spPr>
+      </p:pic>
+      <p:sp>
+        <p:nvSpPr>
+          <p:cNvPr id="19" name="Bent Arrow 18"/>
+          <p:cNvSpPr/>
+          <p:nvPr/>
+        </p:nvSpPr>
+        <p:spPr>
+          <a:xfrm rot="10800000">
+            <a:off x="9507654" y="20070804"/>
+            <a:ext cx="2367758" cy="1879900"/>
+          </a:xfrm>
+          <a:prstGeom prst="bentArrow">
+            <a:avLst>
+              <a:gd name="adj1" fmla="val 27330"/>
+              <a:gd name="adj2" fmla="val 25000"/>
+              <a:gd name="adj3" fmla="val 25000"/>
+              <a:gd name="adj4" fmla="val 43750"/>
+            </a:avLst>
+          </a:prstGeom>
+          <a:solidFill>
+            <a:srgbClr val="3A4C86"/>
+          </a:solidFill>
+          <a:ln>
+            <a:noFill/>
+          </a:ln>
+          <a:scene3d>
+            <a:camera prst="orthographicFront"/>
+            <a:lightRig rig="threePt" dir="t"/>
+          </a:scene3d>
+          <a:sp3d>
+            <a:bevelT w="152400" h="50800" prst="softRound"/>
+          </a:sp3d>
+        </p:spPr>
+        <p:style>
+          <a:lnRef idx="1">
+            <a:schemeClr val="accent1"/>
+          </a:lnRef>
+          <a:fillRef idx="3">
+            <a:schemeClr val="accent1"/>
+          </a:fillRef>
+          <a:effectRef idx="2">
+            <a:schemeClr val="accent1"/>
+          </a:effectRef>
+          <a:fontRef idx="minor">
+            <a:schemeClr val="lt1"/>
+          </a:fontRef>
+        </p:style>
+        <p:txBody>
+          <a:bodyPr rtlCol="0" anchor="ctr"/>
+          <a:lstStyle/>
+          <a:p>
+            <a:pPr algn="ctr"/>
+            <a:endParaRPr lang="en-US">
+              <a:solidFill>
+                <a:schemeClr val="tx1"/>
+              </a:solidFill>
+            </a:endParaRPr>
+          </a:p>
+        </p:txBody>
+      </p:sp>
+      <p:sp>
+        <p:nvSpPr>
+          <p:cNvPr id="103" name="Bent Arrow 102"/>
+          <p:cNvSpPr/>
+          <p:nvPr/>
+        </p:nvSpPr>
+        <p:spPr>
+          <a:xfrm rot="5400000">
+            <a:off x="10172759" y="22421242"/>
+            <a:ext cx="1516858" cy="2367759"/>
+          </a:xfrm>
+          <a:prstGeom prst="bentArrow">
+            <a:avLst>
+              <a:gd name="adj1" fmla="val 27330"/>
+              <a:gd name="adj2" fmla="val 25000"/>
+              <a:gd name="adj3" fmla="val 25000"/>
+              <a:gd name="adj4" fmla="val 43750"/>
+            </a:avLst>
+          </a:prstGeom>
+          <a:solidFill>
+            <a:srgbClr val="3A4C86"/>
+          </a:solidFill>
+          <a:ln>
+            <a:solidFill>
+              <a:srgbClr val="3A4C86"/>
+            </a:solidFill>
+          </a:ln>
+          <a:scene3d>
+            <a:camera prst="orthographicFront"/>
+            <a:lightRig rig="threePt" dir="t"/>
+          </a:scene3d>
+          <a:sp3d>
+            <a:bevelT w="152400" h="50800" prst="softRound"/>
+          </a:sp3d>
+        </p:spPr>
+        <p:style>
+          <a:lnRef idx="1">
+            <a:schemeClr val="accent1"/>
+          </a:lnRef>
+          <a:fillRef idx="3">
+            <a:schemeClr val="accent1"/>
+          </a:fillRef>
+          <a:effectRef idx="2">
+            <a:schemeClr val="accent1"/>
+          </a:effectRef>
+          <a:fontRef idx="minor">
+            <a:schemeClr val="lt1"/>
+          </a:fontRef>
+        </p:style>
+        <p:txBody>
+          <a:bodyPr rtlCol="0" anchor="ctr"/>
+          <a:lstStyle/>
+          <a:p>
+            <a:pPr algn="ctr"/>
+            <a:endParaRPr lang="en-US">
+              <a:solidFill>
+                <a:schemeClr val="tx1"/>
+              </a:solidFill>
+            </a:endParaRPr>
+          </a:p>
+        </p:txBody>
+      </p:sp>
+      <p:sp>
+        <p:nvSpPr>
+          <p:cNvPr id="107" name="Bent Arrow 106"/>
+          <p:cNvSpPr/>
+          <p:nvPr/>
+        </p:nvSpPr>
+        <p:spPr>
+          <a:xfrm rot="16200000" flipH="1">
+            <a:off x="3608432" y="22573642"/>
+            <a:ext cx="1516858" cy="2367761"/>
+          </a:xfrm>
+          <a:prstGeom prst="bentArrow">
+            <a:avLst>
+              <a:gd name="adj1" fmla="val 27330"/>
+              <a:gd name="adj2" fmla="val 25000"/>
+              <a:gd name="adj3" fmla="val 25000"/>
+              <a:gd name="adj4" fmla="val 43750"/>
+            </a:avLst>
+          </a:prstGeom>
+          <a:solidFill>
+            <a:srgbClr val="3A4C86"/>
+          </a:solidFill>
+          <a:ln>
+            <a:solidFill>
+              <a:srgbClr val="3A4C86"/>
+            </a:solidFill>
+          </a:ln>
+          <a:scene3d>
+            <a:camera prst="orthographicFront"/>
+            <a:lightRig rig="threePt" dir="t"/>
+          </a:scene3d>
+          <a:sp3d>
+            <a:bevelT w="152400" h="50800" prst="softRound"/>
+          </a:sp3d>
+        </p:spPr>
+        <p:style>
+          <a:lnRef idx="1">
+            <a:schemeClr val="accent1"/>
+          </a:lnRef>
+          <a:fillRef idx="3">
+            <a:schemeClr val="accent1"/>
+          </a:fillRef>
+          <a:effectRef idx="2">
+            <a:schemeClr val="accent1"/>
+          </a:effectRef>
+          <a:fontRef idx="minor">
+            <a:schemeClr val="lt1"/>
+          </a:fontRef>
+        </p:style>
+        <p:txBody>
+          <a:bodyPr rtlCol="0" anchor="ctr"/>
+          <a:lstStyle/>
+          <a:p>
+            <a:pPr algn="ctr"/>
+            <a:endParaRPr lang="en-US">
+              <a:solidFill>
+                <a:schemeClr val="tx1"/>
+              </a:solidFill>
+            </a:endParaRPr>
+          </a:p>
+        </p:txBody>
+      </p:sp>
+      <p:sp>
+        <p:nvSpPr>
+          <p:cNvPr id="109" name="Right Arrow 108"/>
+          <p:cNvSpPr/>
+          <p:nvPr/>
+        </p:nvSpPr>
+        <p:spPr>
+          <a:xfrm>
+            <a:off x="2904936" y="25614288"/>
+            <a:ext cx="1954673" cy="944022"/>
+          </a:xfrm>
+          <a:prstGeom prst="rightArrow">
+            <a:avLst/>
+          </a:prstGeom>
+          <a:solidFill>
+            <a:srgbClr val="3A4C86"/>
+          </a:solidFill>
+          <a:ln>
+            <a:noFill/>
+          </a:ln>
+          <a:effectLst>
+            <a:glow rad="101600">
+              <a:schemeClr val="bg1">
+                <a:alpha val="75000"/>
+              </a:schemeClr>
+            </a:glow>
+            <a:outerShdw blurRad="40000" dist="23000" dir="5400000" rotWithShape="0">
+              <a:srgbClr val="000000">
+                <a:alpha val="35000"/>
+              </a:srgbClr>
+            </a:outerShdw>
+          </a:effectLst>
+          <a:scene3d>
+            <a:camera prst="orthographicFront"/>
+            <a:lightRig rig="threePt" dir="t"/>
+          </a:scene3d>
+          <a:sp3d>
+            <a:bevelT w="152400" h="50800" prst="softRound"/>
+          </a:sp3d>
+        </p:spPr>
+        <p:style>
+          <a:lnRef idx="1">
+            <a:schemeClr val="accent5"/>
+          </a:lnRef>
+          <a:fillRef idx="3">
+            <a:schemeClr val="accent5"/>
+          </a:fillRef>
+          <a:effectRef idx="2">
+            <a:schemeClr val="accent5"/>
+          </a:effectRef>
+          <a:fontRef idx="minor">
+            <a:schemeClr val="lt1"/>
+          </a:fontRef>
+        </p:style>
+        <p:txBody>
+          <a:bodyPr rtlCol="0" anchor="ctr"/>
+          <a:lstStyle/>
+          <a:p>
+            <a:pPr algn="ctr"/>
+            <a:endParaRPr lang="en-US">
+              <a:solidFill>
+                <a:schemeClr val="tx1"/>
+              </a:solidFill>
+            </a:endParaRPr>
+          </a:p>
+        </p:txBody>
+      </p:sp>
+      <p:sp>
+        <p:nvSpPr>
+          <p:cNvPr id="110" name="Bent Arrow 109"/>
+          <p:cNvSpPr/>
+          <p:nvPr/>
+        </p:nvSpPr>
+        <p:spPr>
+          <a:xfrm rot="10800000" flipH="1">
+            <a:off x="3722591" y="20223204"/>
+            <a:ext cx="2367758" cy="1879900"/>
+          </a:xfrm>
+          <a:prstGeom prst="bentArrow">
+            <a:avLst>
+              <a:gd name="adj1" fmla="val 27330"/>
+              <a:gd name="adj2" fmla="val 25000"/>
+              <a:gd name="adj3" fmla="val 25000"/>
+              <a:gd name="adj4" fmla="val 43750"/>
+            </a:avLst>
+          </a:prstGeom>
+          <a:solidFill>
+            <a:srgbClr val="3A4C86"/>
+          </a:solidFill>
+          <a:ln>
+            <a:noFill/>
+          </a:ln>
+          <a:scene3d>
+            <a:camera prst="orthographicFront"/>
+            <a:lightRig rig="threePt" dir="t"/>
+          </a:scene3d>
+          <a:sp3d>
+            <a:bevelT w="152400" h="50800" prst="softRound"/>
+          </a:sp3d>
+        </p:spPr>
+        <p:style>
+          <a:lnRef idx="1">
+            <a:schemeClr val="accent1"/>
+          </a:lnRef>
+          <a:fillRef idx="3">
+            <a:schemeClr val="accent1"/>
+          </a:fillRef>
+          <a:effectRef idx="2">
+            <a:schemeClr val="accent1"/>
+          </a:effectRef>
+          <a:fontRef idx="minor">
+            <a:schemeClr val="lt1"/>
+          </a:fontRef>
+        </p:style>
+        <p:txBody>
+          <a:bodyPr rtlCol="0" anchor="ctr"/>
+          <a:lstStyle/>
+          <a:p>
+            <a:pPr algn="ctr"/>
+            <a:endParaRPr lang="en-US">
+              <a:solidFill>
+                <a:schemeClr val="tx1"/>
+              </a:solidFill>
+            </a:endParaRPr>
+          </a:p>
+        </p:txBody>
+      </p:sp>
+      <p:sp>
+        <p:nvSpPr>
+          <p:cNvPr id="112" name="Bent Arrow 111"/>
+          <p:cNvSpPr/>
+          <p:nvPr/>
+        </p:nvSpPr>
+        <p:spPr>
+          <a:xfrm rot="10800000" flipH="1">
+            <a:off x="3367646" y="27504090"/>
+            <a:ext cx="2367758" cy="1879900"/>
+          </a:xfrm>
+          <a:prstGeom prst="bentArrow">
+            <a:avLst>
+              <a:gd name="adj1" fmla="val 27330"/>
+              <a:gd name="adj2" fmla="val 25000"/>
+              <a:gd name="adj3" fmla="val 25000"/>
+              <a:gd name="adj4" fmla="val 43750"/>
+            </a:avLst>
+          </a:prstGeom>
+          <a:solidFill>
+            <a:srgbClr val="3A4C86"/>
+          </a:solidFill>
+          <a:ln>
+            <a:noFill/>
+          </a:ln>
+          <a:scene3d>
+            <a:camera prst="orthographicFront"/>
+            <a:lightRig rig="threePt" dir="t"/>
+          </a:scene3d>
+          <a:sp3d>
+            <a:bevelT w="152400" h="50800" prst="softRound"/>
+          </a:sp3d>
+        </p:spPr>
+        <p:style>
+          <a:lnRef idx="1">
+            <a:schemeClr val="accent1"/>
+          </a:lnRef>
+          <a:fillRef idx="3">
+            <a:schemeClr val="accent1"/>
+          </a:fillRef>
+          <a:effectRef idx="2">
+            <a:schemeClr val="accent1"/>
+          </a:effectRef>
+          <a:fontRef idx="minor">
+            <a:schemeClr val="lt1"/>
+          </a:fontRef>
+        </p:style>
+        <p:txBody>
+          <a:bodyPr rtlCol="0" anchor="ctr"/>
+          <a:lstStyle/>
+          <a:p>
+            <a:pPr algn="ctr"/>
+            <a:endParaRPr lang="en-US">
+              <a:solidFill>
+                <a:schemeClr val="tx1"/>
+              </a:solidFill>
+            </a:endParaRPr>
+          </a:p>
+        </p:txBody>
+      </p:sp>
+      <p:sp>
+        <p:nvSpPr>
+          <p:cNvPr id="108" name="Bent Arrow 107"/>
+          <p:cNvSpPr/>
+          <p:nvPr/>
+        </p:nvSpPr>
+        <p:spPr>
+          <a:xfrm rot="10800000">
+            <a:off x="9507654" y="27504090"/>
+            <a:ext cx="2367758" cy="1879900"/>
+          </a:xfrm>
+          <a:prstGeom prst="bentArrow">
+            <a:avLst>
+              <a:gd name="adj1" fmla="val 27330"/>
+              <a:gd name="adj2" fmla="val 25000"/>
+              <a:gd name="adj3" fmla="val 25000"/>
+              <a:gd name="adj4" fmla="val 43750"/>
+            </a:avLst>
+          </a:prstGeom>
+          <a:solidFill>
+            <a:srgbClr val="3A4C86"/>
+          </a:solidFill>
+          <a:ln>
+            <a:noFill/>
+          </a:ln>
+          <a:scene3d>
+            <a:camera prst="orthographicFront"/>
+            <a:lightRig rig="threePt" dir="t"/>
+          </a:scene3d>
+          <a:sp3d>
+            <a:bevelT w="152400" h="50800" prst="softRound"/>
+          </a:sp3d>
+        </p:spPr>
+        <p:style>
+          <a:lnRef idx="1">
+            <a:schemeClr val="accent1"/>
+          </a:lnRef>
+          <a:fillRef idx="3">
+            <a:schemeClr val="accent1"/>
+          </a:fillRef>
+          <a:effectRef idx="2">
+            <a:schemeClr val="accent1"/>
+          </a:effectRef>
+          <a:fontRef idx="minor">
+            <a:schemeClr val="lt1"/>
+          </a:fontRef>
+        </p:style>
+        <p:txBody>
+          <a:bodyPr rtlCol="0" anchor="ctr"/>
+          <a:lstStyle/>
+          <a:p>
+            <a:pPr algn="ctr"/>
+            <a:endParaRPr lang="en-US">
+              <a:solidFill>
+                <a:schemeClr val="tx1"/>
+              </a:solidFill>
+            </a:endParaRPr>
+          </a:p>
+        </p:txBody>
+      </p:sp>
+      <p:pic>
+        <p:nvPicPr>
+          <p:cNvPr id="38" name="Picture Placeholder 37" descr="MAW_icon-vector-blue_02_people_312x214.png"/>
+          <p:cNvPicPr>
+            <a:picLocks noGrp="1" noChangeAspect="1"/>
+          </p:cNvPicPr>
+          <p:nvPr>
+            <p:ph type="pic" sz="quarter" idx="127"/>
+          </p:nvPr>
+        </p:nvPicPr>
+        <p:blipFill>
+          <a:blip r:embed="rId23">
+            <a:alphaModFix/>
+            <a:extLst>
+              <a:ext uri="{28A0092B-C50C-407E-A947-70E740481C1C}">
+                <a14:useLocalDpi xmlns:a14="http://schemas.microsoft.com/office/drawing/2010/main" val="0"/>
+              </a:ext>
+            </a:extLst>
+          </a:blip>
+          <a:srcRect l="-6044" r="-6044"/>
+          <a:stretch>
+            <a:fillRect/>
+          </a:stretch>
+        </p:blipFill>
+        <p:spPr>
+          <a:xfrm>
+            <a:off x="4999977" y="15151926"/>
+            <a:ext cx="3387039" cy="2072636"/>
+          </a:xfrm>
+          <a:solidFill>
+            <a:schemeClr val="bg1"/>
+          </a:solidFill>
+          <a:ln>
+            <a:noFill/>
+          </a:ln>
+        </p:spPr>
+      </p:pic>
+      <p:pic>
+        <p:nvPicPr>
+          <p:cNvPr id="36" name="Picture Placeholder 35" descr="global-communications-icon.jpg"/>
+          <p:cNvPicPr>
+            <a:picLocks noGrp="1" noChangeAspect="1"/>
+          </p:cNvPicPr>
+          <p:nvPr>
+            <p:ph type="pic" sz="quarter" idx="128"/>
+          </p:nvPr>
+        </p:nvPicPr>
+        <p:blipFill rotWithShape="1">
+          <a:blip r:embed="rId24">
+            <a:extLst>
+              <a:ext uri="{28A0092B-C50C-407E-A947-70E740481C1C}">
+                <a14:useLocalDpi xmlns:a14="http://schemas.microsoft.com/office/drawing/2010/main" val="0"/>
+              </a:ext>
+            </a:extLst>
+          </a:blip>
+          <a:srcRect l="2513" r="5017"/>
+          <a:stretch/>
+        </p:blipFill>
+        <p:spPr>
+          <a:xfrm>
+            <a:off x="7874529" y="15151926"/>
+            <a:ext cx="2714070" cy="2348105"/>
+          </a:xfrm>
+          <a:ln>
+            <a:noFill/>
+          </a:ln>
+        </p:spPr>
+      </p:pic>
+      <p:sp>
+        <p:nvSpPr>
+          <p:cNvPr id="119" name="Bent Arrow 118"/>
+          <p:cNvSpPr/>
+          <p:nvPr/>
+        </p:nvSpPr>
+        <p:spPr>
+          <a:xfrm rot="16200000" flipH="1">
+            <a:off x="3721944" y="16326662"/>
+            <a:ext cx="1516858" cy="1538827"/>
+          </a:xfrm>
+          <a:prstGeom prst="bentArrow">
+            <a:avLst>
+              <a:gd name="adj1" fmla="val 27330"/>
+              <a:gd name="adj2" fmla="val 25000"/>
+              <a:gd name="adj3" fmla="val 25000"/>
+              <a:gd name="adj4" fmla="val 43750"/>
+            </a:avLst>
+          </a:prstGeom>
+          <a:solidFill>
+            <a:srgbClr val="3A4C86"/>
+          </a:solidFill>
+          <a:ln>
+            <a:noFill/>
+          </a:ln>
+          <a:scene3d>
+            <a:camera prst="orthographicFront"/>
+            <a:lightRig rig="threePt" dir="t"/>
+          </a:scene3d>
+          <a:sp3d>
+            <a:bevelT w="152400" h="50800" prst="softRound"/>
+          </a:sp3d>
+        </p:spPr>
+        <p:style>
+          <a:lnRef idx="1">
+            <a:schemeClr val="accent1"/>
+          </a:lnRef>
+          <a:fillRef idx="3">
+            <a:schemeClr val="accent1"/>
+          </a:fillRef>
+          <a:effectRef idx="2">
+            <a:schemeClr val="accent1"/>
+          </a:effectRef>
+          <a:fontRef idx="minor">
+            <a:schemeClr val="lt1"/>
+          </a:fontRef>
+        </p:style>
+        <p:txBody>
+          <a:bodyPr rtlCol="0" anchor="ctr"/>
+          <a:lstStyle/>
+          <a:p>
+            <a:pPr algn="ctr"/>
+            <a:endParaRPr lang="en-US">
+              <a:solidFill>
+                <a:schemeClr val="tx1"/>
+              </a:solidFill>
+            </a:endParaRPr>
+          </a:p>
+        </p:txBody>
+      </p:sp>
+      <p:sp>
+        <p:nvSpPr>
+          <p:cNvPr id="120" name="Bent Arrow 119"/>
+          <p:cNvSpPr/>
+          <p:nvPr/>
+        </p:nvSpPr>
+        <p:spPr>
+          <a:xfrm rot="5400000">
+            <a:off x="10603073" y="16399603"/>
+            <a:ext cx="1516858" cy="1538827"/>
+          </a:xfrm>
+          <a:prstGeom prst="bentArrow">
+            <a:avLst>
+              <a:gd name="adj1" fmla="val 27330"/>
+              <a:gd name="adj2" fmla="val 25000"/>
+              <a:gd name="adj3" fmla="val 25000"/>
+              <a:gd name="adj4" fmla="val 43750"/>
+            </a:avLst>
+          </a:prstGeom>
+          <a:solidFill>
+            <a:srgbClr val="3A4C86"/>
+          </a:solidFill>
+          <a:ln>
+            <a:noFill/>
+          </a:ln>
+          <a:scene3d>
+            <a:camera prst="orthographicFront"/>
+            <a:lightRig rig="threePt" dir="t"/>
+          </a:scene3d>
+          <a:sp3d>
+            <a:bevelT w="152400" h="50800" prst="softRound"/>
+          </a:sp3d>
+        </p:spPr>
+        <p:style>
+          <a:lnRef idx="1">
+            <a:schemeClr val="accent1"/>
+          </a:lnRef>
+          <a:fillRef idx="3">
+            <a:schemeClr val="accent1"/>
+          </a:fillRef>
+          <a:effectRef idx="2">
+            <a:schemeClr val="accent1"/>
+          </a:effectRef>
+          <a:fontRef idx="minor">
+            <a:schemeClr val="lt1"/>
+          </a:fontRef>
+        </p:style>
+        <p:txBody>
+          <a:bodyPr rtlCol="0" anchor="ctr"/>
+          <a:lstStyle/>
+          <a:p>
+            <a:pPr algn="ctr"/>
+            <a:endParaRPr lang="en-US">
+              <a:solidFill>
+                <a:schemeClr val="tx1"/>
+              </a:solidFill>
+            </a:endParaRPr>
+          </a:p>
+        </p:txBody>
+      </p:sp>
+      <p:sp>
+        <p:nvSpPr>
+          <p:cNvPr id="39" name="TextBox 38"/>
+          <p:cNvSpPr txBox="1"/>
+          <p:nvPr/>
+        </p:nvSpPr>
+        <p:spPr>
+          <a:xfrm>
+            <a:off x="5790769" y="18100429"/>
+            <a:ext cx="4167520" cy="1415772"/>
+          </a:xfrm>
+          <a:prstGeom prst="rect">
+            <a:avLst/>
+          </a:prstGeom>
+          <a:noFill/>
+        </p:spPr>
+        <p:txBody>
+          <a:bodyPr wrap="square" rtlCol="0">
+            <a:spAutoFit/>
+          </a:bodyPr>
+          <a:lstStyle/>
+          <a:p>
+            <a:pPr algn="ctr"/>
+            <a:r>
+              <a:rPr lang="en-US" dirty="0" smtClean="0">
+                <a:solidFill>
+                  <a:srgbClr val="3A4C86"/>
+                </a:solidFill>
+              </a:rPr>
+              <a:t>Collect</a:t>
+            </a:r>
+            <a:endParaRPr lang="en-US" dirty="0">
+              <a:solidFill>
+                <a:srgbClr val="3A4C86"/>
+              </a:solidFill>
+            </a:endParaRPr>
+          </a:p>
+        </p:txBody>
+      </p:sp>
+      <p:sp>
+        <p:nvSpPr>
+          <p:cNvPr id="122" name="TextBox 121"/>
+          <p:cNvSpPr txBox="1"/>
+          <p:nvPr/>
+        </p:nvSpPr>
+        <p:spPr>
+          <a:xfrm>
+            <a:off x="5901205" y="25485317"/>
+            <a:ext cx="4167520" cy="1415772"/>
+          </a:xfrm>
+          <a:prstGeom prst="rect">
+            <a:avLst/>
+          </a:prstGeom>
+          <a:noFill/>
+        </p:spPr>
+        <p:txBody>
+          <a:bodyPr wrap="square" rtlCol="0">
+            <a:spAutoFit/>
+          </a:bodyPr>
+          <a:lstStyle/>
+          <a:p>
+            <a:pPr algn="ctr"/>
+            <a:r>
+              <a:rPr lang="en-US" dirty="0" smtClean="0">
+                <a:solidFill>
+                  <a:srgbClr val="3A4C86"/>
+                </a:solidFill>
+              </a:rPr>
+              <a:t>Format</a:t>
+            </a:r>
+            <a:endParaRPr lang="en-US" dirty="0">
+              <a:solidFill>
+                <a:srgbClr val="3A4C86"/>
+              </a:solidFill>
+            </a:endParaRPr>
+          </a:p>
+        </p:txBody>
+      </p:sp>
+      <p:sp>
+        <p:nvSpPr>
+          <p:cNvPr id="4" name="Picture Placeholder 3"/>
+          <p:cNvSpPr>
+            <a:spLocks noGrp="1"/>
+          </p:cNvSpPr>
+          <p:nvPr>
+            <p:ph type="pic" sz="quarter" idx="126"/>
+          </p:nvPr>
+        </p:nvSpPr>
+        <p:spPr/>
+      </p:sp>
     </p:spTree>
   </p:cSld>
   <p:clrMapOvr>
@@ -29676,7 +30101,7 @@
 <file path=ppt/theme/theme2.xml><?xml version="1.0" encoding="utf-8"?>
 <a:theme xmlns:a="http://schemas.openxmlformats.org/drawingml/2006/main" name="1_Classic 3 Columns">
   <a:themeElements>
-    <a:clrScheme name="Sketchbook">
+    <a:clrScheme name="Custom 1">
       <a:dk1>
         <a:sysClr val="windowText" lastClr="000000"/>
       </a:dk1>
@@ -29687,13 +30112,13 @@
         <a:srgbClr val="4C1304"/>
       </a:dk2>
       <a:lt2>
-        <a:srgbClr val="FFFEE6"/>
+        <a:srgbClr val="FFFFFF"/>
       </a:lt2>
       <a:accent1>
-        <a:srgbClr val="A63212"/>
+        <a:srgbClr val="3A4C86"/>
       </a:accent1>
       <a:accent2>
-        <a:srgbClr val="E68230"/>
+        <a:srgbClr val="3A4C86"/>
       </a:accent2>
       <a:accent3>
         <a:srgbClr val="9BB05E"/>
@@ -29708,10 +30133,10 @@
         <a:srgbClr val="8976AC"/>
       </a:accent6>
       <a:hlink>
-        <a:srgbClr val="942408"/>
+        <a:srgbClr val="3A4C86"/>
       </a:hlink>
       <a:folHlink>
-        <a:srgbClr val="B34F17"/>
+        <a:srgbClr val="3A4C86"/>
       </a:folHlink>
     </a:clrScheme>
     <a:fontScheme name="Office">

--- a/csproject.pptx
+++ b/csproject.pptx
@@ -113,6 +113,56 @@
       </a:defRPr>
     </a:lvl9pPr>
   </p:defaultTextStyle>
+  <p:extLst>
+    <p:ext uri="{EFAFB233-063F-42B5-8137-9DF3F51BA10A}">
+      <p15:sldGuideLst xmlns:p15="http://schemas.microsoft.com/office/powerpoint/2012/main">
+        <p15:guide id="1" orient="horz" pos="3318">
+          <p15:clr>
+            <a:srgbClr val="A4A3A4"/>
+          </p15:clr>
+        </p15:guide>
+        <p15:guide id="2" orient="horz" pos="288">
+          <p15:clr>
+            <a:srgbClr val="A4A3A4"/>
+          </p15:clr>
+        </p15:guide>
+        <p15:guide id="3" orient="horz" pos="20160">
+          <p15:clr>
+            <a:srgbClr val="A4A3A4"/>
+          </p15:clr>
+        </p15:guide>
+        <p15:guide id="4" orient="horz">
+          <p15:clr>
+            <a:srgbClr val="A4A3A4"/>
+          </p15:clr>
+        </p15:guide>
+        <p15:guide id="5" pos="581">
+          <p15:clr>
+            <a:srgbClr val="A4A3A4"/>
+          </p15:clr>
+        </p15:guide>
+        <p15:guide id="6" pos="27069">
+          <p15:clr>
+            <a:srgbClr val="A4A3A4"/>
+          </p15:clr>
+        </p15:guide>
+      </p15:sldGuideLst>
+    </p:ext>
+    <p:ext uri="{2D200454-40CA-4A62-9FC3-DE9A4176ACB9}">
+      <p15:notesGuideLst xmlns:p15="http://schemas.microsoft.com/office/powerpoint/2012/main">
+        <p15:guide id="1" orient="horz" pos="2880">
+          <p15:clr>
+            <a:srgbClr val="A4A3A4"/>
+          </p15:clr>
+        </p15:guide>
+        <p15:guide id="2" pos="2160">
+          <p15:clr>
+            <a:srgbClr val="A4A3A4"/>
+          </p15:clr>
+        </p15:guide>
+      </p15:notesGuideLst>
+    </p:ext>
+  </p:extLst>
 </p:presentation>
 </file>
 
@@ -1147,12 +1197,12 @@
         </a:fontRef>
       </dsp:style>
       <dsp:txBody>
-        <a:bodyPr spcFirstLastPara="0" vert="horz" wrap="square" lIns="330708" tIns="165354" rIns="82677" bIns="165354" numCol="1" spcCol="1270" anchor="ctr" anchorCtr="0">
+        <a:bodyPr spcFirstLastPara="0" vert="horz" wrap="square" lIns="336042" tIns="168021" rIns="84011" bIns="168021" numCol="1" spcCol="1270" anchor="ctr" anchorCtr="0">
           <a:noAutofit/>
         </a:bodyPr>
         <a:lstStyle/>
         <a:p>
-          <a:pPr lvl="0" algn="ctr" defTabSz="2755900">
+          <a:pPr lvl="0" algn="ctr" defTabSz="2800350">
             <a:lnSpc>
               <a:spcPct val="90000"/>
             </a:lnSpc>
@@ -1163,7 +1213,7 @@
               <a:spcPct val="35000"/>
             </a:spcAft>
           </a:pPr>
-          <a:endParaRPr lang="en-US" sz="6200" kern="1200"/>
+          <a:endParaRPr lang="en-US" sz="6300" kern="1200"/>
         </a:p>
       </dsp:txBody>
       <dsp:txXfrm>
@@ -1245,12 +1295,12 @@
         </a:fontRef>
       </dsp:style>
       <dsp:txBody>
-        <a:bodyPr spcFirstLastPara="0" vert="horz" wrap="square" lIns="204026" tIns="136017" rIns="68009" bIns="136017" numCol="1" spcCol="1270" anchor="ctr" anchorCtr="0">
+        <a:bodyPr spcFirstLastPara="0" vert="horz" wrap="square" lIns="212027" tIns="141351" rIns="70676" bIns="141351" numCol="1" spcCol="1270" anchor="ctr" anchorCtr="0">
           <a:noAutofit/>
         </a:bodyPr>
         <a:lstStyle/>
         <a:p>
-          <a:pPr lvl="0" algn="ctr" defTabSz="2266950">
+          <a:pPr lvl="0" algn="ctr" defTabSz="2355850">
             <a:lnSpc>
               <a:spcPct val="90000"/>
             </a:lnSpc>
@@ -1261,7 +1311,7 @@
               <a:spcPct val="35000"/>
             </a:spcAft>
           </a:pPr>
-          <a:endParaRPr lang="en-US" sz="5100" kern="1200"/>
+          <a:endParaRPr lang="en-US" sz="5300" kern="1200"/>
         </a:p>
       </dsp:txBody>
       <dsp:txXfrm>
@@ -1343,12 +1393,12 @@
         </a:fontRef>
       </dsp:style>
       <dsp:txBody>
-        <a:bodyPr spcFirstLastPara="0" vert="horz" wrap="square" lIns="204026" tIns="136017" rIns="68009" bIns="136017" numCol="1" spcCol="1270" anchor="ctr" anchorCtr="0">
+        <a:bodyPr spcFirstLastPara="0" vert="horz" wrap="square" lIns="212027" tIns="141351" rIns="70676" bIns="141351" numCol="1" spcCol="1270" anchor="ctr" anchorCtr="0">
           <a:noAutofit/>
         </a:bodyPr>
         <a:lstStyle/>
         <a:p>
-          <a:pPr lvl="0" algn="ctr" defTabSz="2266950">
+          <a:pPr lvl="0" algn="ctr" defTabSz="2355850">
             <a:lnSpc>
               <a:spcPct val="90000"/>
             </a:lnSpc>
@@ -1359,7 +1409,7 @@
               <a:spcPct val="35000"/>
             </a:spcAft>
           </a:pPr>
-          <a:endParaRPr lang="en-US" sz="5100" kern="1200"/>
+          <a:endParaRPr lang="en-US" sz="5300" kern="1200"/>
         </a:p>
       </dsp:txBody>
       <dsp:txXfrm>
@@ -2760,7 +2810,7 @@
             <a:fld id="{0158C5BC-9A70-462C-B28D-9600239EAC64}" type="datetimeFigureOut">
               <a:rPr lang="en-US" smtClean="0"/>
               <a:pPr/>
-              <a:t>3/9/15</a:t>
+              <a:t>3/9/2015</a:t>
             </a:fld>
             <a:endParaRPr lang="en-US" dirty="0"/>
           </a:p>
@@ -2927,7 +2977,7 @@
             <a:fld id="{E6CC2317-6751-4CD4-9995-8782DD78E936}" type="datetimeFigureOut">
               <a:rPr lang="en-US" smtClean="0"/>
               <a:pPr/>
-              <a:t>3/9/15</a:t>
+              <a:t>3/9/2015</a:t>
             </a:fld>
             <a:endParaRPr lang="en-US" dirty="0"/>
           </a:p>
@@ -3278,6 +3328,11 @@
         </p:txBody>
       </p:sp>
     </p:spTree>
+    <p:extLst>
+      <p:ext uri="{BB962C8B-B14F-4D97-AF65-F5344CB8AC3E}">
+        <p14:creationId xmlns:p14="http://schemas.microsoft.com/office/powerpoint/2010/main" val="852200632"/>
+      </p:ext>
+    </p:extLst>
   </p:cSld>
   <p:clrMapOvr>
     <a:masterClrMapping/>
@@ -28492,392 +28547,6 @@
       </p:sp>
       <p:sp>
         <p:nvSpPr>
-          <p:cNvPr id="139" name="Rectangle 35"/>
-          <p:cNvSpPr>
-            <a:spLocks noChangeArrowheads="1"/>
-          </p:cNvSpPr>
-          <p:nvPr/>
-        </p:nvSpPr>
-        <p:spPr bwMode="auto">
-          <a:xfrm>
-            <a:off x="16495717" y="7904301"/>
-            <a:ext cx="9140825" cy="8839200"/>
-          </a:xfrm>
-          <a:prstGeom prst="rect">
-            <a:avLst/>
-          </a:prstGeom>
-          <a:solidFill>
-            <a:schemeClr val="bg1"/>
-          </a:solidFill>
-          <a:ln w="9525">
-            <a:solidFill>
-              <a:srgbClr val="800000"/>
-            </a:solidFill>
-            <a:miter lim="800000"/>
-            <a:headEnd/>
-            <a:tailEnd/>
-          </a:ln>
-        </p:spPr>
-        <p:txBody>
-          <a:bodyPr wrap="none" anchor="ctr"/>
-          <a:lstStyle/>
-          <a:p>
-            <a:pPr algn="ctr" eaLnBrk="0" hangingPunct="0"/>
-            <a:r>
-              <a:rPr lang="en-US" sz="4400">
-                <a:latin typeface="Times New Roman" charset="0"/>
-              </a:rPr>
-              <a:t> PICTURE of tree visualization</a:t>
-            </a:r>
-          </a:p>
-        </p:txBody>
-      </p:sp>
-      <p:sp>
-        <p:nvSpPr>
-          <p:cNvPr id="140" name="Rectangle 35"/>
-          <p:cNvSpPr>
-            <a:spLocks noChangeArrowheads="1"/>
-          </p:cNvSpPr>
-          <p:nvPr/>
-        </p:nvSpPr>
-        <p:spPr bwMode="auto">
-          <a:xfrm>
-            <a:off x="16521117" y="20931326"/>
-            <a:ext cx="9140825" cy="8839200"/>
-          </a:xfrm>
-          <a:prstGeom prst="rect">
-            <a:avLst/>
-          </a:prstGeom>
-          <a:solidFill>
-            <a:schemeClr val="bg1"/>
-          </a:solidFill>
-          <a:ln w="9525">
-            <a:solidFill>
-              <a:srgbClr val="800000"/>
-            </a:solidFill>
-            <a:miter lim="800000"/>
-            <a:headEnd/>
-            <a:tailEnd/>
-          </a:ln>
-        </p:spPr>
-        <p:txBody>
-          <a:bodyPr wrap="none" anchor="ctr"/>
-          <a:lstStyle/>
-          <a:p>
-            <a:pPr algn="ctr" eaLnBrk="0" hangingPunct="0"/>
-            <a:r>
-              <a:rPr lang="en-US" sz="4400">
-                <a:latin typeface="Times New Roman" charset="0"/>
-              </a:rPr>
-              <a:t> PICTURE of tree choosing a grade </a:t>
-            </a:r>
-          </a:p>
-          <a:p>
-            <a:pPr algn="ctr" eaLnBrk="0" hangingPunct="0"/>
-            <a:r>
-              <a:rPr lang="en-US" sz="4400">
-                <a:latin typeface="Times New Roman" charset="0"/>
-              </a:rPr>
-              <a:t>Given a syllabi</a:t>
-            </a:r>
-          </a:p>
-          <a:p>
-            <a:pPr algn="ctr" eaLnBrk="0" hangingPunct="0"/>
-            <a:r>
-              <a:rPr lang="en-US" sz="4400">
-                <a:latin typeface="Times New Roman" charset="0"/>
-              </a:rPr>
-              <a:t>Just make path red or whatever</a:t>
-            </a:r>
-          </a:p>
-        </p:txBody>
-      </p:sp>
-      <p:sp>
-        <p:nvSpPr>
-          <p:cNvPr id="141" name="TextBox 3"/>
-          <p:cNvSpPr txBox="1">
-            <a:spLocks noChangeArrowheads="1"/>
-          </p:cNvSpPr>
-          <p:nvPr/>
-        </p:nvSpPr>
-        <p:spPr bwMode="auto">
-          <a:xfrm>
-            <a:off x="16521117" y="16970339"/>
-            <a:ext cx="9523412" cy="3416320"/>
-          </a:xfrm>
-          <a:prstGeom prst="rect">
-            <a:avLst/>
-          </a:prstGeom>
-          <a:noFill/>
-          <a:ln>
-            <a:noFill/>
-          </a:ln>
-          <a:extLst>
-            <a:ext uri="{909E8E84-426E-40dd-AFC4-6F175D3DCCD1}">
-              <a14:hiddenFill xmlns:a14="http://schemas.microsoft.com/office/drawing/2010/main">
-                <a:solidFill>
-                  <a:srgbClr val="FFFFFF"/>
-                </a:solidFill>
-              </a14:hiddenFill>
-            </a:ext>
-            <a:ext uri="{91240B29-F687-4f45-9708-019B960494DF}">
-              <a14:hiddenLine xmlns:a14="http://schemas.microsoft.com/office/drawing/2010/main" w="9525">
-                <a:solidFill>
-                  <a:srgbClr val="000000"/>
-                </a:solidFill>
-                <a:miter lim="800000"/>
-                <a:headEnd/>
-                <a:tailEnd/>
-              </a14:hiddenLine>
-            </a:ext>
-          </a:extLst>
-        </p:spPr>
-        <p:txBody>
-          <a:bodyPr>
-            <a:spAutoFit/>
-          </a:bodyPr>
-          <a:lstStyle>
-            <a:lvl1pPr eaLnBrk="0" hangingPunct="0">
-              <a:defRPr sz="8600">
-                <a:solidFill>
-                  <a:schemeClr val="tx1"/>
-                </a:solidFill>
-                <a:latin typeface="Arial" charset="0"/>
-                <a:ea typeface="ＭＳ Ｐゴシック" charset="0"/>
-                <a:cs typeface="ＭＳ Ｐゴシック" charset="0"/>
-              </a:defRPr>
-            </a:lvl1pPr>
-            <a:lvl2pPr marL="742950" indent="-285750" eaLnBrk="0" hangingPunct="0">
-              <a:defRPr sz="8600">
-                <a:solidFill>
-                  <a:schemeClr val="tx1"/>
-                </a:solidFill>
-                <a:latin typeface="Arial" charset="0"/>
-                <a:ea typeface="ＭＳ Ｐゴシック" charset="0"/>
-              </a:defRPr>
-            </a:lvl2pPr>
-            <a:lvl3pPr marL="1143000" indent="-228600" eaLnBrk="0" hangingPunct="0">
-              <a:defRPr sz="8600">
-                <a:solidFill>
-                  <a:schemeClr val="tx1"/>
-                </a:solidFill>
-                <a:latin typeface="Arial" charset="0"/>
-                <a:ea typeface="ＭＳ Ｐゴシック" charset="0"/>
-              </a:defRPr>
-            </a:lvl3pPr>
-            <a:lvl4pPr marL="1600200" indent="-228600" eaLnBrk="0" hangingPunct="0">
-              <a:defRPr sz="8600">
-                <a:solidFill>
-                  <a:schemeClr val="tx1"/>
-                </a:solidFill>
-                <a:latin typeface="Arial" charset="0"/>
-                <a:ea typeface="ＭＳ Ｐゴシック" charset="0"/>
-              </a:defRPr>
-            </a:lvl4pPr>
-            <a:lvl5pPr marL="2057400" indent="-228600" eaLnBrk="0" hangingPunct="0">
-              <a:defRPr sz="8600">
-                <a:solidFill>
-                  <a:schemeClr val="tx1"/>
-                </a:solidFill>
-                <a:latin typeface="Arial" charset="0"/>
-                <a:ea typeface="ＭＳ Ｐゴシック" charset="0"/>
-              </a:defRPr>
-            </a:lvl5pPr>
-            <a:lvl6pPr marL="2514600" indent="-228600" eaLnBrk="0" fontAlgn="base" hangingPunct="0">
-              <a:spcBef>
-                <a:spcPct val="0"/>
-              </a:spcBef>
-              <a:spcAft>
-                <a:spcPct val="0"/>
-              </a:spcAft>
-              <a:defRPr sz="8600">
-                <a:solidFill>
-                  <a:schemeClr val="tx1"/>
-                </a:solidFill>
-                <a:latin typeface="Arial" charset="0"/>
-                <a:ea typeface="ＭＳ Ｐゴシック" charset="0"/>
-              </a:defRPr>
-            </a:lvl6pPr>
-            <a:lvl7pPr marL="2971800" indent="-228600" eaLnBrk="0" fontAlgn="base" hangingPunct="0">
-              <a:spcBef>
-                <a:spcPct val="0"/>
-              </a:spcBef>
-              <a:spcAft>
-                <a:spcPct val="0"/>
-              </a:spcAft>
-              <a:defRPr sz="8600">
-                <a:solidFill>
-                  <a:schemeClr val="tx1"/>
-                </a:solidFill>
-                <a:latin typeface="Arial" charset="0"/>
-                <a:ea typeface="ＭＳ Ｐゴシック" charset="0"/>
-              </a:defRPr>
-            </a:lvl7pPr>
-            <a:lvl8pPr marL="3429000" indent="-228600" eaLnBrk="0" fontAlgn="base" hangingPunct="0">
-              <a:spcBef>
-                <a:spcPct val="0"/>
-              </a:spcBef>
-              <a:spcAft>
-                <a:spcPct val="0"/>
-              </a:spcAft>
-              <a:defRPr sz="8600">
-                <a:solidFill>
-                  <a:schemeClr val="tx1"/>
-                </a:solidFill>
-                <a:latin typeface="Arial" charset="0"/>
-                <a:ea typeface="ＭＳ Ｐゴシック" charset="0"/>
-              </a:defRPr>
-            </a:lvl8pPr>
-            <a:lvl9pPr marL="3886200" indent="-228600" eaLnBrk="0" fontAlgn="base" hangingPunct="0">
-              <a:spcBef>
-                <a:spcPct val="0"/>
-              </a:spcBef>
-              <a:spcAft>
-                <a:spcPct val="0"/>
-              </a:spcAft>
-              <a:defRPr sz="8600">
-                <a:solidFill>
-                  <a:schemeClr val="tx1"/>
-                </a:solidFill>
-                <a:latin typeface="Arial" charset="0"/>
-                <a:ea typeface="ＭＳ Ｐゴシック" charset="0"/>
-              </a:defRPr>
-            </a:lvl9pPr>
-          </a:lstStyle>
-          <a:p>
-            <a:pPr eaLnBrk="1" hangingPunct="1"/>
-            <a:r>
-              <a:rPr lang="en-US" sz="7200" dirty="0" smtClean="0"/>
-              <a:t>Decision tree algorithms recursively split data.</a:t>
-            </a:r>
-            <a:endParaRPr lang="en-US" sz="7200" dirty="0"/>
-          </a:p>
-        </p:txBody>
-      </p:sp>
-      <p:sp>
-        <p:nvSpPr>
-          <p:cNvPr id="142" name="Rectangle 35"/>
-          <p:cNvSpPr>
-            <a:spLocks noChangeArrowheads="1"/>
-          </p:cNvSpPr>
-          <p:nvPr/>
-        </p:nvSpPr>
-        <p:spPr bwMode="auto">
-          <a:xfrm>
-            <a:off x="32621609" y="7683798"/>
-            <a:ext cx="7033805" cy="4528286"/>
-          </a:xfrm>
-          <a:prstGeom prst="rect">
-            <a:avLst/>
-          </a:prstGeom>
-          <a:solidFill>
-            <a:schemeClr val="bg1"/>
-          </a:solidFill>
-          <a:ln w="9525">
-            <a:solidFill>
-              <a:srgbClr val="800000"/>
-            </a:solidFill>
-            <a:miter lim="800000"/>
-            <a:headEnd/>
-            <a:tailEnd/>
-          </a:ln>
-        </p:spPr>
-        <p:txBody>
-          <a:bodyPr wrap="none" anchor="ctr"/>
-          <a:lstStyle/>
-          <a:p>
-            <a:pPr algn="ctr" eaLnBrk="0" hangingPunct="0"/>
-            <a:r>
-              <a:rPr lang="en-US" sz="4400" dirty="0">
-                <a:latin typeface="Times New Roman" charset="0"/>
-              </a:rPr>
-              <a:t> PICTURE</a:t>
-            </a:r>
-          </a:p>
-          <a:p>
-            <a:pPr algn="ctr" eaLnBrk="0" hangingPunct="0"/>
-            <a:r>
-              <a:rPr lang="en-US" sz="4400" dirty="0">
-                <a:latin typeface="Times New Roman" charset="0"/>
-              </a:rPr>
-              <a:t>Of </a:t>
-            </a:r>
-            <a:r>
-              <a:rPr lang="en-US" sz="4400" b="1" dirty="0"/>
-              <a:t>Median Grade Prediction</a:t>
-            </a:r>
-          </a:p>
-          <a:p>
-            <a:pPr algn="ctr" eaLnBrk="0" hangingPunct="0"/>
-            <a:endParaRPr lang="en-US" sz="4400" dirty="0">
-              <a:latin typeface="Times New Roman" charset="0"/>
-            </a:endParaRPr>
-          </a:p>
-        </p:txBody>
-      </p:sp>
-      <p:sp>
-        <p:nvSpPr>
-          <p:cNvPr id="143" name="Rectangle 35"/>
-          <p:cNvSpPr>
-            <a:spLocks noChangeArrowheads="1"/>
-          </p:cNvSpPr>
-          <p:nvPr/>
-        </p:nvSpPr>
-        <p:spPr bwMode="auto">
-          <a:xfrm>
-            <a:off x="32621609" y="17577878"/>
-            <a:ext cx="7033805" cy="4528286"/>
-          </a:xfrm>
-          <a:prstGeom prst="rect">
-            <a:avLst/>
-          </a:prstGeom>
-          <a:solidFill>
-            <a:schemeClr val="bg1"/>
-          </a:solidFill>
-          <a:ln w="9525">
-            <a:solidFill>
-              <a:srgbClr val="800000"/>
-            </a:solidFill>
-            <a:miter lim="800000"/>
-            <a:headEnd/>
-            <a:tailEnd/>
-          </a:ln>
-        </p:spPr>
-        <p:txBody>
-          <a:bodyPr wrap="none" anchor="ctr"/>
-          <a:lstStyle/>
-          <a:p>
-            <a:pPr algn="ctr" eaLnBrk="0" hangingPunct="0"/>
-            <a:r>
-              <a:rPr lang="en-US" sz="4400" dirty="0">
-                <a:latin typeface="Times New Roman" charset="0"/>
-              </a:rPr>
-              <a:t> PICTURE</a:t>
-            </a:r>
-          </a:p>
-          <a:p>
-            <a:pPr algn="ctr" eaLnBrk="0" hangingPunct="0"/>
-            <a:r>
-              <a:rPr lang="en-US" sz="4400" dirty="0">
-                <a:latin typeface="Times New Roman" charset="0"/>
-              </a:rPr>
-              <a:t>Of </a:t>
-            </a:r>
-            <a:r>
-              <a:rPr lang="en-US" sz="4400" b="1" dirty="0"/>
-              <a:t>Median Grade Prediction</a:t>
-            </a:r>
-          </a:p>
-          <a:p>
-            <a:pPr algn="ctr" eaLnBrk="0" hangingPunct="0"/>
-            <a:endParaRPr lang="en-US" sz="4400" dirty="0">
-              <a:latin typeface="Times New Roman" charset="0"/>
-            </a:endParaRPr>
-          </a:p>
-        </p:txBody>
-      </p:sp>
-      <p:sp>
-        <p:nvSpPr>
           <p:cNvPr id="77" name="Right Arrow 76"/>
           <p:cNvSpPr/>
           <p:nvPr/>
@@ -29570,7 +29239,7 @@
           </p:nvPr>
         </p:nvPicPr>
         <p:blipFill rotWithShape="1">
-          <a:blip r:embed="rId24">
+          <a:blip r:embed="rId24" cstate="print">
             <a:extLst>
               <a:ext uri="{28A0092B-C50C-407E-A947-70E740481C1C}">
                 <a14:useLocalDpi xmlns:a14="http://schemas.microsoft.com/office/drawing/2010/main" val="0"/>
@@ -29788,18 +29457,188 @@
           </a:p>
         </p:txBody>
       </p:sp>
-      <p:sp>
-        <p:nvSpPr>
-          <p:cNvPr id="4" name="Picture Placeholder 3"/>
-          <p:cNvSpPr>
-            <a:spLocks noGrp="1"/>
-          </p:cNvSpPr>
+      <p:pic>
+        <p:nvPicPr>
+          <p:cNvPr id="6" name="Picture Placeholder 5"/>
+          <p:cNvPicPr>
+            <a:picLocks noGrp="1" noChangeAspect="1"/>
+          </p:cNvPicPr>
           <p:nvPr>
             <p:ph type="pic" sz="quarter" idx="126"/>
           </p:nvPr>
-        </p:nvSpPr>
-        <p:spPr/>
-      </p:sp>
+        </p:nvPicPr>
+        <p:blipFill>
+          <a:blip r:embed="rId25">
+            <a:extLst>
+              <a:ext uri="{28A0092B-C50C-407E-A947-70E740481C1C}">
+                <a14:useLocalDpi xmlns:a14="http://schemas.microsoft.com/office/drawing/2010/main" val="0"/>
+              </a:ext>
+            </a:extLst>
+          </a:blip>
+          <a:srcRect t="16412" b="16412"/>
+          <a:stretch>
+            <a:fillRect/>
+          </a:stretch>
+        </p:blipFill>
+        <p:spPr>
+          <a:xfrm>
+            <a:off x="15468600" y="7709717"/>
+            <a:ext cx="13007975" cy="10769939"/>
+          </a:xfrm>
+        </p:spPr>
+      </p:pic>
+      <p:pic>
+        <p:nvPicPr>
+          <p:cNvPr id="8" name="Picture Placeholder 7"/>
+          <p:cNvPicPr>
+            <a:picLocks noGrp="1" noChangeAspect="1"/>
+          </p:cNvPicPr>
+          <p:nvPr>
+            <p:ph type="pic" sz="quarter" idx="126"/>
+          </p:nvPr>
+        </p:nvPicPr>
+        <p:blipFill>
+          <a:blip r:embed="rId26">
+            <a:extLst>
+              <a:ext uri="{28A0092B-C50C-407E-A947-70E740481C1C}">
+                <a14:useLocalDpi xmlns:a14="http://schemas.microsoft.com/office/drawing/2010/main" val="0"/>
+              </a:ext>
+            </a:extLst>
+          </a:blip>
+          <a:srcRect t="17463" b="17463"/>
+          <a:stretch>
+            <a:fillRect/>
+          </a:stretch>
+        </p:blipFill>
+        <p:spPr>
+          <a:xfrm>
+            <a:off x="15430500" y="20070803"/>
+            <a:ext cx="13215938" cy="11601409"/>
+          </a:xfrm>
+        </p:spPr>
+      </p:pic>
+      <p:sp>
+        <p:nvSpPr>
+          <p:cNvPr id="10" name="TextBox 9"/>
+          <p:cNvSpPr txBox="1"/>
+          <p:nvPr/>
+        </p:nvSpPr>
+        <p:spPr>
+          <a:xfrm>
+            <a:off x="15430499" y="6362093"/>
+            <a:ext cx="13046075" cy="1107996"/>
+          </a:xfrm>
+          <a:prstGeom prst="rect">
+            <a:avLst/>
+          </a:prstGeom>
+          <a:noFill/>
+        </p:spPr>
+        <p:txBody>
+          <a:bodyPr wrap="square" rtlCol="0">
+            <a:spAutoFit/>
+          </a:bodyPr>
+          <a:lstStyle/>
+          <a:p>
+            <a:pPr algn="ctr"/>
+            <a:r>
+              <a:rPr lang="en-US" sz="6600" dirty="0" smtClean="0"/>
+              <a:t>C4.5 Decision Tree Algorithm</a:t>
+            </a:r>
+            <a:endParaRPr lang="en-US" sz="6600" dirty="0"/>
+          </a:p>
+        </p:txBody>
+      </p:sp>
+      <p:sp>
+        <p:nvSpPr>
+          <p:cNvPr id="11" name="TextBox 10"/>
+          <p:cNvSpPr txBox="1"/>
+          <p:nvPr/>
+        </p:nvSpPr>
+        <p:spPr>
+          <a:xfrm>
+            <a:off x="15468600" y="18769263"/>
+            <a:ext cx="13007975" cy="1108590"/>
+          </a:xfrm>
+          <a:prstGeom prst="rect">
+            <a:avLst/>
+          </a:prstGeom>
+          <a:noFill/>
+        </p:spPr>
+        <p:txBody>
+          <a:bodyPr wrap="square" rtlCol="0">
+            <a:spAutoFit/>
+          </a:bodyPr>
+          <a:lstStyle/>
+          <a:p>
+            <a:pPr algn="ctr"/>
+            <a:r>
+              <a:rPr lang="en-US" sz="6600" dirty="0" smtClean="0"/>
+              <a:t>Prediction</a:t>
+            </a:r>
+            <a:endParaRPr lang="en-US" sz="6600" dirty="0"/>
+          </a:p>
+        </p:txBody>
+      </p:sp>
+      <p:pic>
+        <p:nvPicPr>
+          <p:cNvPr id="12" name="Picture 11"/>
+          <p:cNvPicPr>
+            <a:picLocks noChangeAspect="1"/>
+          </p:cNvPicPr>
+          <p:nvPr/>
+        </p:nvPicPr>
+        <p:blipFill>
+          <a:blip r:embed="rId27">
+            <a:extLst>
+              <a:ext uri="{28A0092B-C50C-407E-A947-70E740481C1C}">
+                <a14:useLocalDpi xmlns:a14="http://schemas.microsoft.com/office/drawing/2010/main" val="0"/>
+              </a:ext>
+            </a:extLst>
+          </a:blip>
+          <a:stretch>
+            <a:fillRect/>
+          </a:stretch>
+        </p:blipFill>
+        <p:spPr>
+          <a:xfrm>
+            <a:off x="30054515" y="6428683"/>
+            <a:ext cx="12233481" cy="9175112"/>
+          </a:xfrm>
+          <a:prstGeom prst="rect">
+            <a:avLst/>
+          </a:prstGeom>
+        </p:spPr>
+      </p:pic>
+      <p:pic>
+        <p:nvPicPr>
+          <p:cNvPr id="4" name="Picture 3"/>
+          <p:cNvPicPr>
+            <a:picLocks noChangeAspect="1"/>
+          </p:cNvPicPr>
+          <p:nvPr/>
+        </p:nvPicPr>
+        <p:blipFill>
+          <a:blip r:embed="rId28">
+            <a:extLst>
+              <a:ext uri="{28A0092B-C50C-407E-A947-70E740481C1C}">
+                <a14:useLocalDpi xmlns:a14="http://schemas.microsoft.com/office/drawing/2010/main" val="0"/>
+              </a:ext>
+            </a:extLst>
+          </a:blip>
+          <a:stretch>
+            <a:fillRect/>
+          </a:stretch>
+        </p:blipFill>
+        <p:spPr>
+          <a:xfrm>
+            <a:off x="29911816" y="15603795"/>
+            <a:ext cx="12376180" cy="9578730"/>
+          </a:xfrm>
+          <a:prstGeom prst="rect">
+            <a:avLst/>
+          </a:prstGeom>
+        </p:spPr>
+      </p:pic>
     </p:spTree>
   </p:cSld>
   <p:clrMapOvr>
@@ -29808,7 +29647,7 @@
   <p:timing>
     <p:tnLst>
       <p:par>
-        <p:cTn xmlns:p14="http://schemas.microsoft.com/office/powerpoint/2010/main" id="1" dur="indefinite" restart="never" nodeType="tmRoot"/>
+        <p:cTn id="1" dur="indefinite" restart="never" nodeType="tmRoot"/>
       </p:par>
     </p:tnLst>
   </p:timing>

--- a/csproject.pptx
+++ b/csproject.pptx
@@ -115,7 +115,7 @@
   </p:defaultTextStyle>
   <p:extLst>
     <p:ext uri="{EFAFB233-063F-42B5-8137-9DF3F51BA10A}">
-      <p15:sldGuideLst xmlns:p15="http://schemas.microsoft.com/office/powerpoint/2012/main">
+      <p15:sldGuideLst xmlns:p15="http://schemas.microsoft.com/office/powerpoint/2012/main" xmlns="">
         <p15:guide id="1" orient="horz" pos="3318">
           <p15:clr>
             <a:srgbClr val="A4A3A4"/>
@@ -149,7 +149,7 @@
       </p15:sldGuideLst>
     </p:ext>
     <p:ext uri="{2D200454-40CA-4A62-9FC3-DE9A4176ACB9}">
-      <p15:notesGuideLst xmlns:p15="http://schemas.microsoft.com/office/powerpoint/2012/main">
+      <p15:notesGuideLst xmlns:p15="http://schemas.microsoft.com/office/powerpoint/2012/main" xmlns="">
         <p15:guide id="1" orient="horz" pos="2880">
           <p15:clr>
             <a:srgbClr val="A4A3A4"/>
@@ -1197,12 +1197,12 @@
         </a:fontRef>
       </dsp:style>
       <dsp:txBody>
-        <a:bodyPr spcFirstLastPara="0" vert="horz" wrap="square" lIns="336042" tIns="168021" rIns="84011" bIns="168021" numCol="1" spcCol="1270" anchor="ctr" anchorCtr="0">
+        <a:bodyPr spcFirstLastPara="0" vert="horz" wrap="square" lIns="330708" tIns="165354" rIns="82677" bIns="165354" numCol="1" spcCol="1270" anchor="ctr" anchorCtr="0">
           <a:noAutofit/>
         </a:bodyPr>
         <a:lstStyle/>
         <a:p>
-          <a:pPr lvl="0" algn="ctr" defTabSz="2800350">
+          <a:pPr lvl="0" algn="ctr" defTabSz="2755900">
             <a:lnSpc>
               <a:spcPct val="90000"/>
             </a:lnSpc>
@@ -1213,7 +1213,7 @@
               <a:spcPct val="35000"/>
             </a:spcAft>
           </a:pPr>
-          <a:endParaRPr lang="en-US" sz="6300" kern="1200"/>
+          <a:endParaRPr lang="en-US" sz="6200" kern="1200"/>
         </a:p>
       </dsp:txBody>
       <dsp:txXfrm>
@@ -1295,12 +1295,12 @@
         </a:fontRef>
       </dsp:style>
       <dsp:txBody>
-        <a:bodyPr spcFirstLastPara="0" vert="horz" wrap="square" lIns="212027" tIns="141351" rIns="70676" bIns="141351" numCol="1" spcCol="1270" anchor="ctr" anchorCtr="0">
+        <a:bodyPr spcFirstLastPara="0" vert="horz" wrap="square" lIns="204026" tIns="136017" rIns="68009" bIns="136017" numCol="1" spcCol="1270" anchor="ctr" anchorCtr="0">
           <a:noAutofit/>
         </a:bodyPr>
         <a:lstStyle/>
         <a:p>
-          <a:pPr lvl="0" algn="ctr" defTabSz="2355850">
+          <a:pPr lvl="0" algn="ctr" defTabSz="2266950">
             <a:lnSpc>
               <a:spcPct val="90000"/>
             </a:lnSpc>
@@ -1311,7 +1311,7 @@
               <a:spcPct val="35000"/>
             </a:spcAft>
           </a:pPr>
-          <a:endParaRPr lang="en-US" sz="5300" kern="1200"/>
+          <a:endParaRPr lang="en-US" sz="5100" kern="1200"/>
         </a:p>
       </dsp:txBody>
       <dsp:txXfrm>
@@ -1393,12 +1393,12 @@
         </a:fontRef>
       </dsp:style>
       <dsp:txBody>
-        <a:bodyPr spcFirstLastPara="0" vert="horz" wrap="square" lIns="212027" tIns="141351" rIns="70676" bIns="141351" numCol="1" spcCol="1270" anchor="ctr" anchorCtr="0">
+        <a:bodyPr spcFirstLastPara="0" vert="horz" wrap="square" lIns="204026" tIns="136017" rIns="68009" bIns="136017" numCol="1" spcCol="1270" anchor="ctr" anchorCtr="0">
           <a:noAutofit/>
         </a:bodyPr>
         <a:lstStyle/>
         <a:p>
-          <a:pPr lvl="0" algn="ctr" defTabSz="2355850">
+          <a:pPr lvl="0" algn="ctr" defTabSz="2266950">
             <a:lnSpc>
               <a:spcPct val="90000"/>
             </a:lnSpc>
@@ -1409,7 +1409,7 @@
               <a:spcPct val="35000"/>
             </a:spcAft>
           </a:pPr>
-          <a:endParaRPr lang="en-US" sz="5300" kern="1200"/>
+          <a:endParaRPr lang="en-US" sz="5100" kern="1200"/>
         </a:p>
       </dsp:txBody>
       <dsp:txXfrm>
@@ -2810,7 +2810,7 @@
             <a:fld id="{0158C5BC-9A70-462C-B28D-9600239EAC64}" type="datetimeFigureOut">
               <a:rPr lang="en-US" smtClean="0"/>
               <a:pPr/>
-              <a:t>3/9/2015</a:t>
+              <a:t>3/9/15</a:t>
             </a:fld>
             <a:endParaRPr lang="en-US" dirty="0"/>
           </a:p>
@@ -2977,7 +2977,7 @@
             <a:fld id="{E6CC2317-6751-4CD4-9995-8782DD78E936}" type="datetimeFigureOut">
               <a:rPr lang="en-US" smtClean="0"/>
               <a:pPr/>
-              <a:t>3/9/2015</a:t>
+              <a:t>3/9/15</a:t>
             </a:fld>
             <a:endParaRPr lang="en-US" dirty="0"/>
           </a:p>
@@ -28239,7 +28239,7 @@
           <a:p>
             <a:r>
               <a:rPr lang="en-US" sz="4800" dirty="0" smtClean="0"/>
-              <a:t>Future</a:t>
+              <a:t>Key Contribution</a:t>
             </a:r>
             <a:endParaRPr lang="en-US" sz="4800" dirty="0"/>
           </a:p>
@@ -28494,8 +28494,8 @@
         </p:nvSpPr>
         <p:spPr>
           <a:xfrm>
-            <a:off x="29609638" y="26896354"/>
-            <a:ext cx="13207172" cy="523220"/>
+            <a:off x="29609638" y="26644432"/>
+            <a:ext cx="13207172" cy="2554545"/>
           </a:xfrm>
           <a:prstGeom prst="rect">
             <a:avLst/>
@@ -28509,39 +28509,26 @@
           <a:lstStyle/>
           <a:p>
             <a:r>
-              <a:rPr lang="en-US" sz="2800" dirty="0" smtClean="0"/>
-              <a:t>Or contributions in our case</a:t>
-            </a:r>
-          </a:p>
-        </p:txBody>
-      </p:sp>
-      <p:sp>
-        <p:nvSpPr>
-          <p:cNvPr id="67" name="TextBox 66"/>
-          <p:cNvSpPr txBox="1"/>
-          <p:nvPr/>
-        </p:nvSpPr>
-        <p:spPr>
-          <a:xfrm>
-            <a:off x="32356439" y="27419574"/>
-            <a:ext cx="8780775" cy="1415772"/>
-          </a:xfrm>
-          <a:prstGeom prst="rect">
-            <a:avLst/>
-          </a:prstGeom>
-          <a:noFill/>
-        </p:spPr>
-        <p:txBody>
-          <a:bodyPr wrap="square" rtlCol="0">
-            <a:spAutoFit/>
-          </a:bodyPr>
-          <a:lstStyle/>
-          <a:p>
-            <a:r>
-              <a:rPr lang="en-US" dirty="0" smtClean="0"/>
-              <a:t>Key Contribution</a:t>
-            </a:r>
-            <a:endParaRPr lang="en-US" dirty="0"/>
+              <a:rPr lang="en-US" sz="3200" dirty="0" smtClean="0"/>
+              <a:t>We identified </a:t>
+            </a:r>
+            <a:r>
+              <a:rPr lang="en-US" sz="3200" dirty="0" smtClean="0"/>
+              <a:t>recursive feature partitioning as a means of studying </a:t>
+            </a:r>
+            <a:r>
+              <a:rPr lang="en-US" sz="3200" dirty="0" smtClean="0"/>
+              <a:t>the correlation between the text in a course’s syllabi and the course’s median grade. We see that, with an appropriate </a:t>
+            </a:r>
+            <a:r>
+              <a:rPr lang="en-US" sz="3200" dirty="0" smtClean="0"/>
+              <a:t>feature set, </a:t>
+            </a:r>
+            <a:r>
+              <a:rPr lang="en-US" sz="3200" dirty="0" smtClean="0"/>
+              <a:t>syllabi text indeed correlates to course grade distributions. This shed’s light on how interesting a large scale study could be.</a:t>
+            </a:r>
+            <a:endParaRPr lang="en-US" sz="3200" dirty="0" smtClean="0"/>
           </a:p>
         </p:txBody>
       </p:sp>
@@ -29647,7 +29634,7 @@
   <p:timing>
     <p:tnLst>
       <p:par>
-        <p:cTn id="1" dur="indefinite" restart="never" nodeType="tmRoot"/>
+        <p:cTn xmlns:p14="http://schemas.microsoft.com/office/powerpoint/2010/main" id="1" dur="indefinite" restart="never" nodeType="tmRoot"/>
       </p:par>
     </p:tnLst>
   </p:timing>

--- a/csproject.pptx
+++ b/csproject.pptx
@@ -115,7 +115,7 @@
   </p:defaultTextStyle>
   <p:extLst>
     <p:ext uri="{EFAFB233-063F-42B5-8137-9DF3F51BA10A}">
-      <p15:sldGuideLst xmlns:p15="http://schemas.microsoft.com/office/powerpoint/2012/main" xmlns="">
+      <p15:sldGuideLst xmlns:p15="http://schemas.microsoft.com/office/powerpoint/2012/main">
         <p15:guide id="1" orient="horz" pos="3318">
           <p15:clr>
             <a:srgbClr val="A4A3A4"/>
@@ -149,7 +149,7 @@
       </p15:sldGuideLst>
     </p:ext>
     <p:ext uri="{2D200454-40CA-4A62-9FC3-DE9A4176ACB9}">
-      <p15:notesGuideLst xmlns:p15="http://schemas.microsoft.com/office/powerpoint/2012/main" xmlns="">
+      <p15:notesGuideLst xmlns:p15="http://schemas.microsoft.com/office/powerpoint/2012/main">
         <p15:guide id="1" orient="horz" pos="2880">
           <p15:clr>
             <a:srgbClr val="A4A3A4"/>
@@ -1197,12 +1197,12 @@
         </a:fontRef>
       </dsp:style>
       <dsp:txBody>
-        <a:bodyPr spcFirstLastPara="0" vert="horz" wrap="square" lIns="330708" tIns="165354" rIns="82677" bIns="165354" numCol="1" spcCol="1270" anchor="ctr" anchorCtr="0">
+        <a:bodyPr spcFirstLastPara="0" vert="horz" wrap="square" lIns="336042" tIns="168021" rIns="84011" bIns="168021" numCol="1" spcCol="1270" anchor="ctr" anchorCtr="0">
           <a:noAutofit/>
         </a:bodyPr>
         <a:lstStyle/>
         <a:p>
-          <a:pPr lvl="0" algn="ctr" defTabSz="2755900">
+          <a:pPr lvl="0" algn="ctr" defTabSz="2800350">
             <a:lnSpc>
               <a:spcPct val="90000"/>
             </a:lnSpc>
@@ -1213,7 +1213,7 @@
               <a:spcPct val="35000"/>
             </a:spcAft>
           </a:pPr>
-          <a:endParaRPr lang="en-US" sz="6200" kern="1200"/>
+          <a:endParaRPr lang="en-US" sz="6300" kern="1200"/>
         </a:p>
       </dsp:txBody>
       <dsp:txXfrm>
@@ -1295,12 +1295,12 @@
         </a:fontRef>
       </dsp:style>
       <dsp:txBody>
-        <a:bodyPr spcFirstLastPara="0" vert="horz" wrap="square" lIns="204026" tIns="136017" rIns="68009" bIns="136017" numCol="1" spcCol="1270" anchor="ctr" anchorCtr="0">
+        <a:bodyPr spcFirstLastPara="0" vert="horz" wrap="square" lIns="212027" tIns="141351" rIns="70676" bIns="141351" numCol="1" spcCol="1270" anchor="ctr" anchorCtr="0">
           <a:noAutofit/>
         </a:bodyPr>
         <a:lstStyle/>
         <a:p>
-          <a:pPr lvl="0" algn="ctr" defTabSz="2266950">
+          <a:pPr lvl="0" algn="ctr" defTabSz="2355850">
             <a:lnSpc>
               <a:spcPct val="90000"/>
             </a:lnSpc>
@@ -1311,7 +1311,7 @@
               <a:spcPct val="35000"/>
             </a:spcAft>
           </a:pPr>
-          <a:endParaRPr lang="en-US" sz="5100" kern="1200"/>
+          <a:endParaRPr lang="en-US" sz="5300" kern="1200"/>
         </a:p>
       </dsp:txBody>
       <dsp:txXfrm>
@@ -1393,12 +1393,12 @@
         </a:fontRef>
       </dsp:style>
       <dsp:txBody>
-        <a:bodyPr spcFirstLastPara="0" vert="horz" wrap="square" lIns="204026" tIns="136017" rIns="68009" bIns="136017" numCol="1" spcCol="1270" anchor="ctr" anchorCtr="0">
+        <a:bodyPr spcFirstLastPara="0" vert="horz" wrap="square" lIns="212027" tIns="141351" rIns="70676" bIns="141351" numCol="1" spcCol="1270" anchor="ctr" anchorCtr="0">
           <a:noAutofit/>
         </a:bodyPr>
         <a:lstStyle/>
         <a:p>
-          <a:pPr lvl="0" algn="ctr" defTabSz="2266950">
+          <a:pPr lvl="0" algn="ctr" defTabSz="2355850">
             <a:lnSpc>
               <a:spcPct val="90000"/>
             </a:lnSpc>
@@ -1409,7 +1409,7 @@
               <a:spcPct val="35000"/>
             </a:spcAft>
           </a:pPr>
-          <a:endParaRPr lang="en-US" sz="5100" kern="1200"/>
+          <a:endParaRPr lang="en-US" sz="5300" kern="1200"/>
         </a:p>
       </dsp:txBody>
       <dsp:txXfrm>
@@ -2810,7 +2810,7 @@
             <a:fld id="{0158C5BC-9A70-462C-B28D-9600239EAC64}" type="datetimeFigureOut">
               <a:rPr lang="en-US" smtClean="0"/>
               <a:pPr/>
-              <a:t>3/9/15</a:t>
+              <a:t>3/9/2015</a:t>
             </a:fld>
             <a:endParaRPr lang="en-US" dirty="0"/>
           </a:p>
@@ -2977,7 +2977,7 @@
             <a:fld id="{E6CC2317-6751-4CD4-9995-8782DD78E936}" type="datetimeFigureOut">
               <a:rPr lang="en-US" smtClean="0"/>
               <a:pPr/>
-              <a:t>3/9/15</a:t>
+              <a:t>3/9/2015</a:t>
             </a:fld>
             <a:endParaRPr lang="en-US" dirty="0"/>
           </a:p>
@@ -28510,25 +28510,20 @@
           <a:p>
             <a:r>
               <a:rPr lang="en-US" sz="3200" dirty="0" smtClean="0"/>
-              <a:t>We identified </a:t>
+              <a:t>We identified recursive feature partitioning as a means of studying the correlation between the text in a course’s syllabi and the course’s median grade. We see that, with an appropriate feature set, syllabi text </a:t>
+            </a:r>
+            <a:r>
+              <a:rPr lang="en-US" sz="3200" smtClean="0"/>
+              <a:t>indeed </a:t>
+            </a:r>
+            <a:r>
+              <a:rPr lang="en-US" sz="3200" smtClean="0"/>
+              <a:t>somewhat correlates </a:t>
             </a:r>
             <a:r>
               <a:rPr lang="en-US" sz="3200" dirty="0" smtClean="0"/>
-              <a:t>recursive feature partitioning as a means of studying </a:t>
-            </a:r>
-            <a:r>
-              <a:rPr lang="en-US" sz="3200" dirty="0" smtClean="0"/>
-              <a:t>the correlation between the text in a course’s syllabi and the course’s median grade. We see that, with an appropriate </a:t>
-            </a:r>
-            <a:r>
-              <a:rPr lang="en-US" sz="3200" dirty="0" smtClean="0"/>
-              <a:t>feature set, </a:t>
-            </a:r>
-            <a:r>
-              <a:rPr lang="en-US" sz="3200" dirty="0" smtClean="0"/>
-              <a:t>syllabi text indeed correlates to course grade distributions. This shed’s light on how interesting a large scale study could be.</a:t>
-            </a:r>
-            <a:endParaRPr lang="en-US" sz="3200" dirty="0" smtClean="0"/>
+              <a:t>to course grade distributions. This shed’s light on how interesting a large scale study could be.</a:t>
+            </a:r>
           </a:p>
         </p:txBody>
       </p:sp>
@@ -29634,7 +29629,7 @@
   <p:timing>
     <p:tnLst>
       <p:par>
-        <p:cTn xmlns:p14="http://schemas.microsoft.com/office/powerpoint/2010/main" id="1" dur="indefinite" restart="never" nodeType="tmRoot"/>
+        <p:cTn id="1" dur="indefinite" restart="never" nodeType="tmRoot"/>
       </p:par>
     </p:tnLst>
   </p:timing>
